--- a/Pet/WebContent/share/동물농장.pptx
+++ b/Pet/WebContent/share/동물농장.pptx
@@ -12,10 +12,12 @@
     <p:sldId id="272" r:id="rId6"/>
     <p:sldId id="273" r:id="rId7"/>
     <p:sldId id="271" r:id="rId8"/>
-    <p:sldId id="270" r:id="rId9"/>
-    <p:sldId id="269" r:id="rId10"/>
+    <p:sldId id="269" r:id="rId9"/>
+    <p:sldId id="276" r:id="rId10"/>
     <p:sldId id="267" r:id="rId11"/>
-    <p:sldId id="268" r:id="rId12"/>
+    <p:sldId id="275" r:id="rId12"/>
+    <p:sldId id="268" r:id="rId13"/>
+    <p:sldId id="274" r:id="rId14"/>
   </p:sldIdLst>
   <p:sldSz cx="9144000" cy="6858000" type="screen4x3"/>
   <p:notesSz cx="6858000" cy="9144000"/>
@@ -114,6 +116,22 @@
       </a:defRPr>
     </a:lvl9pPr>
   </p:defaultTextStyle>
+  <p:extLst>
+    <p:ext uri="{EFAFB233-063F-42B5-8137-9DF3F51BA10A}">
+      <p15:sldGuideLst xmlns:p15="http://schemas.microsoft.com/office/powerpoint/2012/main">
+        <p15:guide id="1" orient="horz" pos="2160">
+          <p15:clr>
+            <a:srgbClr val="A4A3A4"/>
+          </p15:clr>
+        </p15:guide>
+        <p15:guide id="2" pos="2880">
+          <p15:clr>
+            <a:srgbClr val="A4A3A4"/>
+          </p15:clr>
+        </p15:guide>
+      </p15:sldGuideLst>
+    </p:ext>
+  </p:extLst>
 </p:presentation>
 </file>
 
@@ -323,7 +341,7 @@
             <a:fld id="{8550D5B9-67E6-4DB9-A4DB-EC4C11045527}" type="datetimeFigureOut">
               <a:rPr lang="ko-KR" altLang="en-US" smtClean="0"/>
               <a:pPr/>
-              <a:t>2017-07-26</a:t>
+              <a:t>17.07.26.Wed</a:t>
             </a:fld>
             <a:endParaRPr lang="ko-KR" altLang="en-US"/>
           </a:p>
@@ -490,7 +508,7 @@
             <a:fld id="{8550D5B9-67E6-4DB9-A4DB-EC4C11045527}" type="datetimeFigureOut">
               <a:rPr lang="ko-KR" altLang="en-US" smtClean="0"/>
               <a:pPr/>
-              <a:t>2017-07-26</a:t>
+              <a:t>17.07.26.Wed</a:t>
             </a:fld>
             <a:endParaRPr lang="ko-KR" altLang="en-US"/>
           </a:p>
@@ -667,7 +685,7 @@
             <a:fld id="{8550D5B9-67E6-4DB9-A4DB-EC4C11045527}" type="datetimeFigureOut">
               <a:rPr lang="ko-KR" altLang="en-US" smtClean="0"/>
               <a:pPr/>
-              <a:t>2017-07-26</a:t>
+              <a:t>17.07.26.Wed</a:t>
             </a:fld>
             <a:endParaRPr lang="ko-KR" altLang="en-US"/>
           </a:p>
@@ -858,7 +876,7 @@
             <a:fld id="{8550D5B9-67E6-4DB9-A4DB-EC4C11045527}" type="datetimeFigureOut">
               <a:rPr lang="ko-KR" altLang="en-US" smtClean="0"/>
               <a:pPr/>
-              <a:t>2017-07-26</a:t>
+              <a:t>17.07.26.Wed</a:t>
             </a:fld>
             <a:endParaRPr lang="ko-KR" altLang="en-US"/>
           </a:p>
@@ -1101,7 +1119,7 @@
             <a:fld id="{8550D5B9-67E6-4DB9-A4DB-EC4C11045527}" type="datetimeFigureOut">
               <a:rPr lang="ko-KR" altLang="en-US" smtClean="0"/>
               <a:pPr/>
-              <a:t>2017-07-26</a:t>
+              <a:t>17.07.26.Wed</a:t>
             </a:fld>
             <a:endParaRPr lang="ko-KR" altLang="en-US"/>
           </a:p>
@@ -1386,7 +1404,7 @@
             <a:fld id="{8550D5B9-67E6-4DB9-A4DB-EC4C11045527}" type="datetimeFigureOut">
               <a:rPr lang="ko-KR" altLang="en-US" smtClean="0"/>
               <a:pPr/>
-              <a:t>2017-07-26</a:t>
+              <a:t>17.07.26.Wed</a:t>
             </a:fld>
             <a:endParaRPr lang="ko-KR" altLang="en-US"/>
           </a:p>
@@ -1805,7 +1823,7 @@
             <a:fld id="{8550D5B9-67E6-4DB9-A4DB-EC4C11045527}" type="datetimeFigureOut">
               <a:rPr lang="ko-KR" altLang="en-US" smtClean="0"/>
               <a:pPr/>
-              <a:t>2017-07-26</a:t>
+              <a:t>17.07.26.Wed</a:t>
             </a:fld>
             <a:endParaRPr lang="ko-KR" altLang="en-US"/>
           </a:p>
@@ -1920,7 +1938,7 @@
             <a:fld id="{8550D5B9-67E6-4DB9-A4DB-EC4C11045527}" type="datetimeFigureOut">
               <a:rPr lang="ko-KR" altLang="en-US" smtClean="0"/>
               <a:pPr/>
-              <a:t>2017-07-26</a:t>
+              <a:t>17.07.26.Wed</a:t>
             </a:fld>
             <a:endParaRPr lang="ko-KR" altLang="en-US"/>
           </a:p>
@@ -2012,7 +2030,7 @@
             <a:fld id="{8550D5B9-67E6-4DB9-A4DB-EC4C11045527}" type="datetimeFigureOut">
               <a:rPr lang="ko-KR" altLang="en-US" smtClean="0"/>
               <a:pPr/>
-              <a:t>2017-07-26</a:t>
+              <a:t>17.07.26.Wed</a:t>
             </a:fld>
             <a:endParaRPr lang="ko-KR" altLang="en-US"/>
           </a:p>
@@ -2286,7 +2304,7 @@
             <a:fld id="{8550D5B9-67E6-4DB9-A4DB-EC4C11045527}" type="datetimeFigureOut">
               <a:rPr lang="ko-KR" altLang="en-US" smtClean="0"/>
               <a:pPr/>
-              <a:t>2017-07-26</a:t>
+              <a:t>17.07.26.Wed</a:t>
             </a:fld>
             <a:endParaRPr lang="ko-KR" altLang="en-US"/>
           </a:p>
@@ -2536,7 +2554,7 @@
             <a:fld id="{8550D5B9-67E6-4DB9-A4DB-EC4C11045527}" type="datetimeFigureOut">
               <a:rPr lang="ko-KR" altLang="en-US" smtClean="0"/>
               <a:pPr/>
-              <a:t>2017-07-26</a:t>
+              <a:t>17.07.26.Wed</a:t>
             </a:fld>
             <a:endParaRPr lang="ko-KR" altLang="en-US"/>
           </a:p>
@@ -2746,7 +2764,7 @@
             <a:fld id="{8550D5B9-67E6-4DB9-A4DB-EC4C11045527}" type="datetimeFigureOut">
               <a:rPr lang="ko-KR" altLang="en-US" smtClean="0"/>
               <a:pPr/>
-              <a:t>2017-07-26</a:t>
+              <a:t>17.07.26.Wed</a:t>
             </a:fld>
             <a:endParaRPr lang="ko-KR" altLang="en-US"/>
           </a:p>
@@ -3125,8 +3143,8 @@
         </p:nvSpPr>
         <p:spPr>
           <a:xfrm>
-            <a:off x="3214678" y="2291356"/>
-            <a:ext cx="2943434" cy="923330"/>
+            <a:off x="2771800" y="2291356"/>
+            <a:ext cx="3583033" cy="923330"/>
           </a:xfrm>
           <a:prstGeom prst="rect">
             <a:avLst/>
@@ -3139,6 +3157,7 @@
           </a:bodyPr>
           <a:lstStyle/>
           <a:p>
+            <a:pPr algn="ctr"/>
             <a:r>
               <a:rPr lang="en-US" altLang="ko-KR" sz="5400" b="1" dirty="0" smtClean="0">
                 <a:latin typeface="HanS 1994" pitchFamily="2" charset="-127"/>
@@ -3175,8 +3194,8 @@
         </p:nvSpPr>
         <p:spPr>
           <a:xfrm>
-            <a:off x="6610465" y="5300505"/>
-            <a:ext cx="1962397" cy="1200329"/>
+            <a:off x="6336352" y="5300505"/>
+            <a:ext cx="2236510" cy="1200329"/>
           </a:xfrm>
           <a:prstGeom prst="rect">
             <a:avLst/>
@@ -3289,8 +3308,8 @@
         </p:nvSpPr>
         <p:spPr>
           <a:xfrm>
-            <a:off x="494763" y="-24"/>
-            <a:ext cx="1005403" cy="584775"/>
+            <a:off x="117415" y="-24"/>
+            <a:ext cx="2114681" cy="584775"/>
           </a:xfrm>
           <a:prstGeom prst="rect">
             <a:avLst/>
@@ -3305,12 +3324,9 @@
           <a:p>
             <a:r>
               <a:rPr lang="ko-KR" altLang="en-US" sz="3200" b="1" dirty="0" smtClean="0"/>
-              <a:t>소</a:t>
-            </a:r>
-            <a:r>
-              <a:rPr lang="ko-KR" altLang="en-US" sz="3200" b="1" dirty="0"/>
-              <a:t>감</a:t>
-            </a:r>
+              <a:t>짧은 소감 </a:t>
+            </a:r>
+            <a:endParaRPr lang="ko-KR" altLang="en-US" sz="3200" b="1" dirty="0"/>
           </a:p>
         </p:txBody>
       </p:sp>
@@ -3322,7 +3338,7 @@
         </p:nvCxnSpPr>
         <p:spPr>
           <a:xfrm>
-            <a:off x="-785850" y="569892"/>
+            <a:off x="-13712" y="569892"/>
             <a:ext cx="2857520" cy="1588"/>
           </a:xfrm>
           <a:prstGeom prst="line">
@@ -3351,6 +3367,135 @@
           </a:fontRef>
         </p:style>
       </p:cxnSp>
+      <p:sp>
+        <p:nvSpPr>
+          <p:cNvPr id="9" name="TextBox 8"/>
+          <p:cNvSpPr txBox="1"/>
+          <p:nvPr/>
+        </p:nvSpPr>
+        <p:spPr>
+          <a:xfrm>
+            <a:off x="539552" y="1141396"/>
+            <a:ext cx="6135013" cy="4324261"/>
+          </a:xfrm>
+          <a:prstGeom prst="rect">
+            <a:avLst/>
+          </a:prstGeom>
+          <a:noFill/>
+        </p:spPr>
+        <p:txBody>
+          <a:bodyPr wrap="none" rtlCol="0">
+            <a:spAutoFit/>
+          </a:bodyPr>
+          <a:lstStyle/>
+          <a:p>
+            <a:pPr marL="285750" indent="-285750">
+              <a:buFont typeface="Arial" panose="020B0604020202020204" pitchFamily="34" charset="0"/>
+              <a:buChar char="•"/>
+            </a:pPr>
+            <a:r>
+              <a:rPr lang="ko-KR" altLang="en-US" sz="2500" b="1" dirty="0" smtClean="0"/>
+              <a:t>자바스크립트도 객체 지향 언어였다</a:t>
+            </a:r>
+            <a:r>
+              <a:rPr lang="en-US" altLang="ko-KR" sz="2500" b="1" dirty="0" smtClean="0"/>
+              <a:t>.</a:t>
+            </a:r>
+          </a:p>
+          <a:p>
+            <a:pPr marL="285750" indent="-285750">
+              <a:buFont typeface="Arial" panose="020B0604020202020204" pitchFamily="34" charset="0"/>
+              <a:buChar char="•"/>
+            </a:pPr>
+            <a:endParaRPr lang="en-US" altLang="ko-KR" sz="2500" b="1" dirty="0" smtClean="0"/>
+          </a:p>
+          <a:p>
+            <a:pPr marL="285750" indent="-285750">
+              <a:buFont typeface="Arial" panose="020B0604020202020204" pitchFamily="34" charset="0"/>
+              <a:buChar char="•"/>
+            </a:pPr>
+            <a:endParaRPr lang="en-US" altLang="ko-KR" sz="2500" b="1" dirty="0"/>
+          </a:p>
+          <a:p>
+            <a:pPr marL="285750" indent="-285750">
+              <a:buFont typeface="Arial" panose="020B0604020202020204" pitchFamily="34" charset="0"/>
+              <a:buChar char="•"/>
+            </a:pPr>
+            <a:r>
+              <a:rPr lang="ko-KR" altLang="en-US" sz="2500" b="1" dirty="0" smtClean="0"/>
+              <a:t>바라보는 시각이 달라졌다</a:t>
+            </a:r>
+            <a:r>
+              <a:rPr lang="en-US" altLang="ko-KR" sz="2500" b="1" dirty="0" smtClean="0"/>
+              <a:t>.</a:t>
+            </a:r>
+          </a:p>
+          <a:p>
+            <a:pPr marL="285750" indent="-285750">
+              <a:buFont typeface="Arial" panose="020B0604020202020204" pitchFamily="34" charset="0"/>
+              <a:buChar char="•"/>
+            </a:pPr>
+            <a:endParaRPr lang="en-US" altLang="ko-KR" sz="2500" b="1" dirty="0" smtClean="0"/>
+          </a:p>
+          <a:p>
+            <a:pPr marL="285750" indent="-285750">
+              <a:buFont typeface="Arial" panose="020B0604020202020204" pitchFamily="34" charset="0"/>
+              <a:buChar char="•"/>
+            </a:pPr>
+            <a:endParaRPr lang="en-US" altLang="ko-KR" sz="2500" b="1" dirty="0"/>
+          </a:p>
+          <a:p>
+            <a:pPr marL="285750" indent="-285750">
+              <a:buFont typeface="Arial" panose="020B0604020202020204" pitchFamily="34" charset="0"/>
+              <a:buChar char="•"/>
+            </a:pPr>
+            <a:r>
+              <a:rPr lang="ko-KR" altLang="en-US" sz="2500" b="1" dirty="0" smtClean="0"/>
+              <a:t>유연함을 살리려면 정확히 알아야 한다</a:t>
+            </a:r>
+            <a:r>
+              <a:rPr lang="en-US" altLang="ko-KR" sz="2500" b="1" dirty="0" smtClean="0"/>
+              <a:t>.</a:t>
+            </a:r>
+          </a:p>
+          <a:p>
+            <a:pPr marL="285750" indent="-285750">
+              <a:buFont typeface="Arial" panose="020B0604020202020204" pitchFamily="34" charset="0"/>
+              <a:buChar char="•"/>
+            </a:pPr>
+            <a:endParaRPr lang="en-US" altLang="ko-KR" sz="2500" b="1" dirty="0" smtClean="0"/>
+          </a:p>
+          <a:p>
+            <a:pPr marL="285750" indent="-285750">
+              <a:buFont typeface="Arial" panose="020B0604020202020204" pitchFamily="34" charset="0"/>
+              <a:buChar char="•"/>
+            </a:pPr>
+            <a:endParaRPr lang="en-US" altLang="ko-KR" sz="2500" b="1" dirty="0"/>
+          </a:p>
+          <a:p>
+            <a:pPr marL="285750" indent="-285750">
+              <a:buFont typeface="Arial" panose="020B0604020202020204" pitchFamily="34" charset="0"/>
+              <a:buChar char="•"/>
+            </a:pPr>
+            <a:r>
+              <a:rPr lang="ko-KR" altLang="en-US" sz="2500" b="1" dirty="0" smtClean="0"/>
+              <a:t>공부합시다</a:t>
+            </a:r>
+            <a:r>
+              <a:rPr lang="en-US" altLang="ko-KR" sz="2500" b="1" dirty="0" smtClean="0"/>
+              <a:t>.</a:t>
+            </a:r>
+            <a:endParaRPr lang="en-US" altLang="ko-KR" sz="2500" b="1" dirty="0"/>
+          </a:p>
+          <a:p>
+            <a:pPr marL="285750" indent="-285750">
+              <a:buFont typeface="Arial" panose="020B0604020202020204" pitchFamily="34" charset="0"/>
+              <a:buChar char="•"/>
+            </a:pPr>
+            <a:endParaRPr lang="en-US" altLang="ko-KR" sz="2500" b="1" dirty="0" smtClean="0"/>
+          </a:p>
+        </p:txBody>
+      </p:sp>
     </p:spTree>
   </p:cSld>
   <p:clrMapOvr>
@@ -3385,13 +3530,253 @@
       </p:grpSpPr>
       <p:sp>
         <p:nvSpPr>
+          <p:cNvPr id="4" name="TextBox 3"/>
+          <p:cNvSpPr txBox="1"/>
+          <p:nvPr/>
+        </p:nvSpPr>
+        <p:spPr>
+          <a:xfrm>
+            <a:off x="117415" y="-24"/>
+            <a:ext cx="2982098" cy="584775"/>
+          </a:xfrm>
+          <a:prstGeom prst="rect">
+            <a:avLst/>
+          </a:prstGeom>
+          <a:noFill/>
+        </p:spPr>
+        <p:txBody>
+          <a:bodyPr wrap="none" rtlCol="0">
+            <a:spAutoFit/>
+          </a:bodyPr>
+          <a:lstStyle/>
+          <a:p>
+            <a:r>
+              <a:rPr lang="en-US" altLang="ko-KR" sz="3200" b="1" dirty="0" smtClean="0"/>
+              <a:t>GIT – Conflict!</a:t>
+            </a:r>
+            <a:endParaRPr lang="ko-KR" altLang="en-US" sz="3200" b="1" dirty="0"/>
+          </a:p>
+        </p:txBody>
+      </p:sp>
+      <p:cxnSp>
+        <p:nvCxnSpPr>
+          <p:cNvPr id="5" name="직선 연결선 4"/>
+          <p:cNvCxnSpPr/>
+          <p:nvPr/>
+        </p:nvCxnSpPr>
+        <p:spPr>
+          <a:xfrm>
+            <a:off x="-13712" y="569892"/>
+            <a:ext cx="2857520" cy="1588"/>
+          </a:xfrm>
+          <a:prstGeom prst="line">
+            <a:avLst/>
+          </a:prstGeom>
+          <a:ln w="28575">
+            <a:solidFill>
+              <a:schemeClr val="tx1"/>
+            </a:solidFill>
+            <a:headEnd type="oval" w="med" len="med"/>
+            <a:tailEnd type="oval" w="med" len="med"/>
+          </a:ln>
+        </p:spPr>
+        <p:style>
+          <a:lnRef idx="1">
+            <a:schemeClr val="accent1"/>
+          </a:lnRef>
+          <a:fillRef idx="0">
+            <a:schemeClr val="accent1"/>
+          </a:fillRef>
+          <a:effectRef idx="0">
+            <a:schemeClr val="accent1"/>
+          </a:effectRef>
+          <a:fontRef idx="minor">
+            <a:schemeClr val="tx1"/>
+          </a:fontRef>
+        </p:style>
+      </p:cxnSp>
+      <p:pic>
+        <p:nvPicPr>
+          <p:cNvPr id="2" name="그림 1"/>
+          <p:cNvPicPr>
+            <a:picLocks noChangeAspect="1"/>
+          </p:cNvPicPr>
+          <p:nvPr/>
+        </p:nvPicPr>
+        <p:blipFill>
+          <a:blip r:embed="rId2">
+            <a:extLst>
+              <a:ext uri="{28A0092B-C50C-407E-A947-70E740481C1C}">
+                <a14:useLocalDpi xmlns:a14="http://schemas.microsoft.com/office/drawing/2010/main" val="0"/>
+              </a:ext>
+            </a:extLst>
+          </a:blip>
+          <a:stretch>
+            <a:fillRect/>
+          </a:stretch>
+        </p:blipFill>
+        <p:spPr>
+          <a:xfrm>
+            <a:off x="467544" y="1156087"/>
+            <a:ext cx="3286125" cy="3600450"/>
+          </a:xfrm>
+          <a:prstGeom prst="rect">
+            <a:avLst/>
+          </a:prstGeom>
+        </p:spPr>
+      </p:pic>
+      <p:sp>
+        <p:nvSpPr>
           <p:cNvPr id="6" name="TextBox 5"/>
           <p:cNvSpPr txBox="1"/>
           <p:nvPr/>
         </p:nvSpPr>
         <p:spPr>
           <a:xfrm>
-            <a:off x="2783492" y="2339640"/>
+            <a:off x="3961902" y="1188136"/>
+            <a:ext cx="5074594" cy="1631216"/>
+          </a:xfrm>
+          <a:prstGeom prst="rect">
+            <a:avLst/>
+          </a:prstGeom>
+          <a:noFill/>
+        </p:spPr>
+        <p:txBody>
+          <a:bodyPr wrap="none" rtlCol="0">
+            <a:spAutoFit/>
+          </a:bodyPr>
+          <a:lstStyle/>
+          <a:p>
+            <a:pPr marL="285750" indent="-285750">
+              <a:buFont typeface="Arial" panose="020B0604020202020204" pitchFamily="34" charset="0"/>
+              <a:buChar char="•"/>
+            </a:pPr>
+            <a:r>
+              <a:rPr lang="en-US" altLang="ko-KR" sz="2000" b="1" dirty="0" smtClean="0"/>
+              <a:t>checkout </a:t>
+            </a:r>
+            <a:r>
+              <a:rPr lang="ko-KR" altLang="en-US" sz="2000" b="1" dirty="0" smtClean="0"/>
+              <a:t>실수로 </a:t>
+            </a:r>
+            <a:r>
+              <a:rPr lang="ko-KR" altLang="en-US" sz="2000" b="1" dirty="0" smtClean="0"/>
+              <a:t>팀원</a:t>
+            </a:r>
+            <a:r>
+              <a:rPr lang="ko-KR" altLang="en-US" sz="2000" b="1" dirty="0" smtClean="0"/>
+              <a:t> </a:t>
+            </a:r>
+            <a:r>
+              <a:rPr lang="en-US" altLang="ko-KR" sz="2000" b="1" dirty="0" smtClean="0"/>
+              <a:t>branch</a:t>
+            </a:r>
+            <a:r>
+              <a:rPr lang="ko-KR" altLang="en-US" sz="2000" b="1" dirty="0" smtClean="0"/>
+              <a:t>에서 작업</a:t>
+            </a:r>
+            <a:endParaRPr lang="en-US" altLang="ko-KR" sz="2000" b="1" dirty="0" smtClean="0"/>
+          </a:p>
+          <a:p>
+            <a:pPr marL="285750" indent="-285750">
+              <a:buFont typeface="Arial" panose="020B0604020202020204" pitchFamily="34" charset="0"/>
+              <a:buChar char="•"/>
+            </a:pPr>
+            <a:endParaRPr lang="en-US" altLang="ko-KR" sz="2000" b="1" dirty="0" smtClean="0"/>
+          </a:p>
+          <a:p>
+            <a:pPr marL="285750" indent="-285750">
+              <a:buFont typeface="Arial" panose="020B0604020202020204" pitchFamily="34" charset="0"/>
+              <a:buChar char="•"/>
+            </a:pPr>
+            <a:r>
+              <a:rPr lang="en-US" altLang="ko-KR" sz="2000" b="1" dirty="0" smtClean="0"/>
+              <a:t>commit and push</a:t>
+            </a:r>
+            <a:r>
+              <a:rPr lang="ko-KR" altLang="en-US" sz="2000" b="1" dirty="0" smtClean="0"/>
+              <a:t>까지 진행</a:t>
+            </a:r>
+            <a:endParaRPr lang="en-US" altLang="ko-KR" sz="2000" b="1" dirty="0" smtClean="0"/>
+          </a:p>
+          <a:p>
+            <a:pPr marL="285750" indent="-285750">
+              <a:buFont typeface="Arial" panose="020B0604020202020204" pitchFamily="34" charset="0"/>
+              <a:buChar char="•"/>
+            </a:pPr>
+            <a:endParaRPr lang="en-US" altLang="ko-KR" sz="2000" b="1" dirty="0"/>
+          </a:p>
+          <a:p>
+            <a:pPr marL="285750" indent="-285750">
+              <a:buFont typeface="Arial" panose="020B0604020202020204" pitchFamily="34" charset="0"/>
+              <a:buChar char="•"/>
+            </a:pPr>
+            <a:r>
+              <a:rPr lang="en-US" altLang="ko-KR" sz="2000" b="1" dirty="0" smtClean="0"/>
+              <a:t>conflicts </a:t>
+            </a:r>
+            <a:r>
+              <a:rPr lang="ko-KR" altLang="en-US" sz="2000" b="1" dirty="0" smtClean="0"/>
+              <a:t>해결 후 </a:t>
+            </a:r>
+            <a:r>
+              <a:rPr lang="en-US" altLang="ko-KR" sz="2000" b="1" dirty="0" smtClean="0"/>
+              <a:t>merge </a:t>
+            </a:r>
+            <a:r>
+              <a:rPr lang="ko-KR" altLang="en-US" sz="2000" b="1" dirty="0" smtClean="0"/>
+              <a:t>완료</a:t>
+            </a:r>
+            <a:endParaRPr lang="en-US" altLang="ko-KR" sz="2000" b="1" dirty="0" smtClean="0"/>
+          </a:p>
+        </p:txBody>
+      </p:sp>
+    </p:spTree>
+    <p:extLst>
+      <p:ext uri="{BB962C8B-B14F-4D97-AF65-F5344CB8AC3E}">
+        <p14:creationId xmlns:p14="http://schemas.microsoft.com/office/powerpoint/2010/main" val="1597603917"/>
+      </p:ext>
+    </p:extLst>
+  </p:cSld>
+  <p:clrMapOvr>
+    <a:masterClrMapping/>
+  </p:clrMapOvr>
+  <p:timing>
+    <p:tnLst>
+      <p:par>
+        <p:cTn id="1" dur="indefinite" restart="never" nodeType="tmRoot"/>
+      </p:par>
+    </p:tnLst>
+  </p:timing>
+</p:sld>
+</file>
+
+<file path=ppt/slides/slide12.xml><?xml version="1.0" encoding="utf-8"?>
+<p:sld xmlns:a="http://schemas.openxmlformats.org/drawingml/2006/main" xmlns:r="http://schemas.openxmlformats.org/officeDocument/2006/relationships" xmlns:p="http://schemas.openxmlformats.org/presentationml/2006/main">
+  <p:cSld>
+    <p:spTree>
+      <p:nvGrpSpPr>
+        <p:cNvPr id="1" name=""/>
+        <p:cNvGrpSpPr/>
+        <p:nvPr/>
+      </p:nvGrpSpPr>
+      <p:grpSpPr>
+        <a:xfrm>
+          <a:off x="0" y="0"/>
+          <a:ext cx="0" cy="0"/>
+          <a:chOff x="0" y="0"/>
+          <a:chExt cx="0" cy="0"/>
+        </a:xfrm>
+      </p:grpSpPr>
+      <p:sp>
+        <p:nvSpPr>
+          <p:cNvPr id="6" name="TextBox 5"/>
+          <p:cNvSpPr txBox="1"/>
+          <p:nvPr/>
+        </p:nvSpPr>
+        <p:spPr>
+          <a:xfrm>
+            <a:off x="3152082" y="2702530"/>
             <a:ext cx="2860078" cy="1446550"/>
           </a:xfrm>
           <a:prstGeom prst="rect">
@@ -3420,6 +3805,86 @@
         </p:txBody>
       </p:sp>
     </p:spTree>
+  </p:cSld>
+  <p:clrMapOvr>
+    <a:masterClrMapping/>
+  </p:clrMapOvr>
+  <p:timing>
+    <p:tnLst>
+      <p:par>
+        <p:cTn id="1" dur="indefinite" restart="never" nodeType="tmRoot"/>
+      </p:par>
+    </p:tnLst>
+  </p:timing>
+</p:sld>
+</file>
+
+<file path=ppt/slides/slide13.xml><?xml version="1.0" encoding="utf-8"?>
+<p:sld xmlns:a="http://schemas.openxmlformats.org/drawingml/2006/main" xmlns:r="http://schemas.openxmlformats.org/officeDocument/2006/relationships" xmlns:p="http://schemas.openxmlformats.org/presentationml/2006/main">
+  <p:cSld>
+    <p:spTree>
+      <p:nvGrpSpPr>
+        <p:cNvPr id="1" name=""/>
+        <p:cNvGrpSpPr/>
+        <p:nvPr/>
+      </p:nvGrpSpPr>
+      <p:grpSpPr>
+        <a:xfrm>
+          <a:off x="0" y="0"/>
+          <a:ext cx="0" cy="0"/>
+          <a:chOff x="0" y="0"/>
+          <a:chExt cx="0" cy="0"/>
+        </a:xfrm>
+      </p:grpSpPr>
+      <p:sp>
+        <p:nvSpPr>
+          <p:cNvPr id="6" name="TextBox 5"/>
+          <p:cNvSpPr txBox="1"/>
+          <p:nvPr/>
+        </p:nvSpPr>
+        <p:spPr>
+          <a:xfrm>
+            <a:off x="1502089" y="2702530"/>
+            <a:ext cx="6139822" cy="1446550"/>
+          </a:xfrm>
+          <a:prstGeom prst="rect">
+            <a:avLst/>
+          </a:prstGeom>
+          <a:noFill/>
+        </p:spPr>
+        <p:txBody>
+          <a:bodyPr wrap="none" rtlCol="0">
+            <a:spAutoFit/>
+          </a:bodyPr>
+          <a:lstStyle/>
+          <a:p>
+            <a:r>
+              <a:rPr lang="ko-KR" altLang="en-US" sz="8800" b="1" dirty="0" smtClean="0">
+                <a:latin typeface="HY엽서M" panose="02030600000101010101" pitchFamily="18" charset="-127"/>
+                <a:ea typeface="HY엽서M" panose="02030600000101010101" pitchFamily="18" charset="-127"/>
+              </a:rPr>
+              <a:t>감사합니다</a:t>
+            </a:r>
+            <a:r>
+              <a:rPr lang="en-US" altLang="ko-KR" sz="8800" b="1" dirty="0" smtClean="0">
+                <a:latin typeface="HY엽서M" panose="02030600000101010101" pitchFamily="18" charset="-127"/>
+                <a:ea typeface="HY엽서M" panose="02030600000101010101" pitchFamily="18" charset="-127"/>
+              </a:rPr>
+              <a:t>.</a:t>
+            </a:r>
+            <a:endParaRPr lang="ko-KR" altLang="en-US" sz="8800" b="1" dirty="0">
+              <a:latin typeface="HY엽서M" panose="02030600000101010101" pitchFamily="18" charset="-127"/>
+              <a:ea typeface="HY엽서M" panose="02030600000101010101" pitchFamily="18" charset="-127"/>
+            </a:endParaRPr>
+          </a:p>
+        </p:txBody>
+      </p:sp>
+    </p:spTree>
+    <p:extLst>
+      <p:ext uri="{BB962C8B-B14F-4D97-AF65-F5344CB8AC3E}">
+        <p14:creationId xmlns:p14="http://schemas.microsoft.com/office/powerpoint/2010/main" val="130551762"/>
+      </p:ext>
+    </p:extLst>
   </p:cSld>
   <p:clrMapOvr>
     <a:masterClrMapping/>
@@ -3526,8 +3991,8 @@
         </p:nvSpPr>
         <p:spPr>
           <a:xfrm>
-            <a:off x="3286116" y="1214422"/>
-            <a:ext cx="2598788" cy="584775"/>
+            <a:off x="3490740" y="1214422"/>
+            <a:ext cx="2236510" cy="584775"/>
           </a:xfrm>
           <a:prstGeom prst="rect">
             <a:avLst/>
@@ -3540,6 +4005,90 @@
           </a:bodyPr>
           <a:lstStyle/>
           <a:p>
+            <a:pPr algn="ctr"/>
+            <a:r>
+              <a:rPr lang="en-US" altLang="ko-KR" sz="3200" dirty="0" smtClean="0">
+                <a:ln w="0"/>
+                <a:effectLst>
+                  <a:outerShdw blurRad="38100" dist="19050" dir="2700000" algn="tl" rotWithShape="0">
+                    <a:schemeClr val="dk1">
+                      <a:alpha val="40000"/>
+                    </a:schemeClr>
+                  </a:outerShdw>
+                </a:effectLst>
+                <a:latin typeface="HY궁서" pitchFamily="18" charset="-127"/>
+                <a:ea typeface="HY궁서" pitchFamily="18" charset="-127"/>
+              </a:rPr>
+              <a:t>“</a:t>
+            </a:r>
+            <a:r>
+              <a:rPr lang="ko-KR" altLang="en-US" sz="3200" dirty="0" smtClean="0">
+                <a:ln w="0"/>
+                <a:effectLst>
+                  <a:outerShdw blurRad="38100" dist="19050" dir="2700000" algn="tl" rotWithShape="0">
+                    <a:schemeClr val="dk1">
+                      <a:alpha val="40000"/>
+                    </a:schemeClr>
+                  </a:outerShdw>
+                </a:effectLst>
+                <a:latin typeface="HY궁서" pitchFamily="18" charset="-127"/>
+                <a:ea typeface="HY궁서" pitchFamily="18" charset="-127"/>
+              </a:rPr>
+              <a:t>업무분담</a:t>
+            </a:r>
+            <a:r>
+              <a:rPr lang="en-US" altLang="ko-KR" sz="3200" dirty="0" smtClean="0">
+                <a:ln w="0"/>
+                <a:effectLst>
+                  <a:outerShdw blurRad="38100" dist="19050" dir="2700000" algn="tl" rotWithShape="0">
+                    <a:schemeClr val="dk1">
+                      <a:alpha val="40000"/>
+                    </a:schemeClr>
+                  </a:outerShdw>
+                </a:effectLst>
+                <a:latin typeface="HY궁서" pitchFamily="18" charset="-127"/>
+                <a:ea typeface="HY궁서" pitchFamily="18" charset="-127"/>
+              </a:rPr>
+              <a:t>”</a:t>
+            </a:r>
+            <a:endParaRPr lang="ko-KR" altLang="en-US" sz="3200" dirty="0">
+              <a:ln w="0"/>
+              <a:effectLst>
+                <a:outerShdw blurRad="38100" dist="19050" dir="2700000" algn="tl" rotWithShape="0">
+                  <a:schemeClr val="dk1">
+                    <a:alpha val="40000"/>
+                  </a:schemeClr>
+                </a:outerShdw>
+              </a:effectLst>
+              <a:latin typeface="HY궁서" pitchFamily="18" charset="-127"/>
+              <a:ea typeface="HY궁서" pitchFamily="18" charset="-127"/>
+            </a:endParaRPr>
+          </a:p>
+        </p:txBody>
+      </p:sp>
+      <p:sp>
+        <p:nvSpPr>
+          <p:cNvPr id="7" name="TextBox 6"/>
+          <p:cNvSpPr txBox="1"/>
+          <p:nvPr/>
+        </p:nvSpPr>
+        <p:spPr>
+          <a:xfrm>
+            <a:off x="3002074" y="1988840"/>
+            <a:ext cx="3154102" cy="584775"/>
+          </a:xfrm>
+          <a:prstGeom prst="rect">
+            <a:avLst/>
+          </a:prstGeom>
+          <a:noFill/>
+        </p:spPr>
+        <p:txBody>
+          <a:bodyPr wrap="square" rtlCol="0">
+            <a:spAutoFit/>
+          </a:bodyPr>
+          <a:lstStyle/>
+          <a:p>
+            <a:pPr algn="ctr"/>
             <a:r>
               <a:rPr lang="en-US" altLang="ko-KR" sz="3200" b="1" dirty="0" smtClean="0">
                 <a:latin typeface="HY궁서" pitchFamily="18" charset="-127"/>
@@ -3552,7 +4101,7 @@
                 <a:latin typeface="HY궁서" pitchFamily="18" charset="-127"/>
                 <a:ea typeface="HY궁서" pitchFamily="18" charset="-127"/>
               </a:rPr>
-              <a:t>업무분담</a:t>
+              <a:t>프로젝트 구성</a:t>
             </a:r>
             <a:r>
               <a:rPr lang="en-US" altLang="ko-KR" sz="3200" b="1" dirty="0" smtClean="0">
@@ -3570,14 +4119,14 @@
       </p:sp>
       <p:sp>
         <p:nvSpPr>
-          <p:cNvPr id="7" name="TextBox 6"/>
+          <p:cNvPr id="8" name="TextBox 7"/>
           <p:cNvSpPr txBox="1"/>
           <p:nvPr/>
         </p:nvSpPr>
         <p:spPr>
           <a:xfrm>
-            <a:off x="2786050" y="2058407"/>
-            <a:ext cx="3538148" cy="584775"/>
+            <a:off x="3347864" y="2708920"/>
+            <a:ext cx="2422458" cy="584775"/>
           </a:xfrm>
           <a:prstGeom prst="rect">
             <a:avLst/>
@@ -3590,28 +4139,61 @@
           </a:bodyPr>
           <a:lstStyle/>
           <a:p>
-            <a:r>
-              <a:rPr lang="en-US" altLang="ko-KR" sz="3200" b="1" dirty="0" smtClean="0">
+            <a:pPr algn="ctr"/>
+            <a:r>
+              <a:rPr lang="en-US" altLang="ko-KR" sz="3200" dirty="0" smtClean="0">
+                <a:ln w="0"/>
+                <a:effectLst>
+                  <a:outerShdw blurRad="38100" dist="19050" dir="2700000" algn="tl" rotWithShape="0">
+                    <a:schemeClr val="dk1">
+                      <a:alpha val="40000"/>
+                    </a:schemeClr>
+                  </a:outerShdw>
+                </a:effectLst>
                 <a:latin typeface="HY궁서" pitchFamily="18" charset="-127"/>
                 <a:ea typeface="HY궁서" pitchFamily="18" charset="-127"/>
               </a:rPr>
               <a:t>“</a:t>
             </a:r>
             <a:r>
-              <a:rPr lang="ko-KR" altLang="en-US" sz="3200" b="1" dirty="0" smtClean="0">
+              <a:rPr lang="ko-KR" altLang="en-US" sz="3200" dirty="0" smtClean="0">
+                <a:ln w="0"/>
+                <a:effectLst>
+                  <a:outerShdw blurRad="38100" dist="19050" dir="2700000" algn="tl" rotWithShape="0">
+                    <a:schemeClr val="dk1">
+                      <a:alpha val="40000"/>
+                    </a:schemeClr>
+                  </a:outerShdw>
+                </a:effectLst>
                 <a:latin typeface="HY궁서" pitchFamily="18" charset="-127"/>
                 <a:ea typeface="HY궁서" pitchFamily="18" charset="-127"/>
               </a:rPr>
-              <a:t>프로젝트 구성</a:t>
-            </a:r>
-            <a:r>
-              <a:rPr lang="en-US" altLang="ko-KR" sz="3200" b="1" dirty="0" smtClean="0">
+              <a:t>결과 </a:t>
+            </a:r>
+            <a:r>
+              <a:rPr lang="en-US" altLang="ko-KR" sz="3200" dirty="0" smtClean="0">
+                <a:ln w="0"/>
+                <a:effectLst>
+                  <a:outerShdw blurRad="38100" dist="19050" dir="2700000" algn="tl" rotWithShape="0">
+                    <a:schemeClr val="dk1">
+                      <a:alpha val="40000"/>
+                    </a:schemeClr>
+                  </a:outerShdw>
+                </a:effectLst>
                 <a:latin typeface="HY궁서" pitchFamily="18" charset="-127"/>
                 <a:ea typeface="HY궁서" pitchFamily="18" charset="-127"/>
               </a:rPr>
-              <a:t>”</a:t>
-            </a:r>
-            <a:endParaRPr lang="ko-KR" altLang="en-US" sz="3200" b="1" dirty="0">
+              <a:t>LOG”</a:t>
+            </a:r>
+            <a:endParaRPr lang="ko-KR" altLang="en-US" sz="3200" dirty="0">
+              <a:ln w="0"/>
+              <a:effectLst>
+                <a:outerShdw blurRad="38100" dist="19050" dir="2700000" algn="tl" rotWithShape="0">
+                  <a:schemeClr val="dk1">
+                    <a:alpha val="40000"/>
+                  </a:schemeClr>
+                </a:outerShdw>
+              </a:effectLst>
               <a:latin typeface="HY궁서" pitchFamily="18" charset="-127"/>
               <a:ea typeface="HY궁서" pitchFamily="18" charset="-127"/>
             </a:endParaRPr>
@@ -3620,14 +4202,14 @@
       </p:sp>
       <p:sp>
         <p:nvSpPr>
-          <p:cNvPr id="8" name="TextBox 7"/>
+          <p:cNvPr id="9" name="TextBox 8"/>
           <p:cNvSpPr txBox="1"/>
           <p:nvPr/>
         </p:nvSpPr>
         <p:spPr>
           <a:xfrm>
-            <a:off x="3143240" y="2857496"/>
-            <a:ext cx="2733441" cy="584775"/>
+            <a:off x="3254508" y="4212377"/>
+            <a:ext cx="2640467" cy="584775"/>
           </a:xfrm>
           <a:prstGeom prst="rect">
             <a:avLst/>
@@ -3640,28 +4222,61 @@
           </a:bodyPr>
           <a:lstStyle/>
           <a:p>
-            <a:r>
-              <a:rPr lang="en-US" altLang="ko-KR" sz="3200" b="1" dirty="0" smtClean="0">
+            <a:pPr algn="ctr"/>
+            <a:r>
+              <a:rPr lang="en-US" altLang="ko-KR" sz="3200" dirty="0" smtClean="0">
+                <a:ln w="0"/>
+                <a:effectLst>
+                  <a:outerShdw blurRad="38100" dist="19050" dir="2700000" algn="tl" rotWithShape="0">
+                    <a:schemeClr val="dk1">
+                      <a:alpha val="40000"/>
+                    </a:schemeClr>
+                  </a:outerShdw>
+                </a:effectLst>
                 <a:latin typeface="HY궁서" pitchFamily="18" charset="-127"/>
                 <a:ea typeface="HY궁서" pitchFamily="18" charset="-127"/>
               </a:rPr>
               <a:t>“</a:t>
             </a:r>
             <a:r>
-              <a:rPr lang="ko-KR" altLang="en-US" sz="3200" b="1" dirty="0" smtClean="0">
+              <a:rPr lang="ko-KR" altLang="en-US" sz="3200" dirty="0" smtClean="0">
+                <a:ln w="0"/>
+                <a:effectLst>
+                  <a:outerShdw blurRad="38100" dist="19050" dir="2700000" algn="tl" rotWithShape="0">
+                    <a:schemeClr val="dk1">
+                      <a:alpha val="40000"/>
+                    </a:schemeClr>
+                  </a:outerShdw>
+                </a:effectLst>
                 <a:latin typeface="HY궁서" pitchFamily="18" charset="-127"/>
                 <a:ea typeface="HY궁서" pitchFamily="18" charset="-127"/>
               </a:rPr>
-              <a:t>결과 </a:t>
-            </a:r>
-            <a:r>
-              <a:rPr lang="en-US" altLang="ko-KR" sz="3200" b="1" dirty="0" smtClean="0">
+              <a:t>소감 및 </a:t>
+            </a:r>
+            <a:r>
+              <a:rPr lang="en-US" altLang="ko-KR" sz="3200" dirty="0" smtClean="0">
+                <a:ln w="0"/>
+                <a:effectLst>
+                  <a:outerShdw blurRad="38100" dist="19050" dir="2700000" algn="tl" rotWithShape="0">
+                    <a:schemeClr val="dk1">
+                      <a:alpha val="40000"/>
+                    </a:schemeClr>
+                  </a:outerShdw>
+                </a:effectLst>
                 <a:latin typeface="HY궁서" pitchFamily="18" charset="-127"/>
                 <a:ea typeface="HY궁서" pitchFamily="18" charset="-127"/>
               </a:rPr>
-              <a:t>LOG”</a:t>
-            </a:r>
-            <a:endParaRPr lang="ko-KR" altLang="en-US" sz="3200" b="1" dirty="0">
+              <a:t>GIT</a:t>
+            </a:r>
+            <a:endParaRPr lang="ko-KR" altLang="en-US" sz="3200" dirty="0">
+              <a:ln w="0"/>
+              <a:effectLst>
+                <a:outerShdw blurRad="38100" dist="19050" dir="2700000" algn="tl" rotWithShape="0">
+                  <a:schemeClr val="dk1">
+                    <a:alpha val="40000"/>
+                  </a:schemeClr>
+                </a:outerShdw>
+              </a:effectLst>
               <a:latin typeface="HY궁서" pitchFamily="18" charset="-127"/>
               <a:ea typeface="HY궁서" pitchFamily="18" charset="-127"/>
             </a:endParaRPr>
@@ -3670,14 +4285,14 @@
       </p:sp>
       <p:sp>
         <p:nvSpPr>
-          <p:cNvPr id="9" name="TextBox 8"/>
+          <p:cNvPr id="11" name="TextBox 10"/>
           <p:cNvSpPr txBox="1"/>
           <p:nvPr/>
         </p:nvSpPr>
         <p:spPr>
           <a:xfrm>
-            <a:off x="3428992" y="4130109"/>
-            <a:ext cx="2327881" cy="584775"/>
+            <a:off x="3847930" y="5004465"/>
+            <a:ext cx="1542410" cy="584775"/>
           </a:xfrm>
           <a:prstGeom prst="rect">
             <a:avLst/>
@@ -3690,50 +4305,31 @@
           </a:bodyPr>
           <a:lstStyle/>
           <a:p>
-            <a:r>
-              <a:rPr lang="en-US" altLang="ko-KR" sz="3200" b="1" dirty="0" smtClean="0">
-                <a:latin typeface="HY궁서" pitchFamily="18" charset="-127"/>
-                <a:ea typeface="HY궁서" pitchFamily="18" charset="-127"/>
-              </a:rPr>
-              <a:t>“CODE#”</a:t>
-            </a:r>
-            <a:endParaRPr lang="ko-KR" altLang="en-US" sz="3200" b="1" dirty="0">
-              <a:latin typeface="HY궁서" pitchFamily="18" charset="-127"/>
-              <a:ea typeface="HY궁서" pitchFamily="18" charset="-127"/>
-            </a:endParaRPr>
-          </a:p>
-        </p:txBody>
-      </p:sp>
-      <p:sp>
-        <p:nvSpPr>
-          <p:cNvPr id="11" name="TextBox 10"/>
-          <p:cNvSpPr txBox="1"/>
-          <p:nvPr/>
-        </p:nvSpPr>
-        <p:spPr>
-          <a:xfrm>
-            <a:off x="3643306" y="4915927"/>
-            <a:ext cx="1786066" cy="584775"/>
-          </a:xfrm>
-          <a:prstGeom prst="rect">
-            <a:avLst/>
-          </a:prstGeom>
-          <a:noFill/>
-        </p:spPr>
-        <p:txBody>
-          <a:bodyPr wrap="none" rtlCol="0">
-            <a:spAutoFit/>
-          </a:bodyPr>
-          <a:lstStyle/>
-          <a:p>
-            <a:r>
-              <a:rPr lang="en-US" altLang="ko-KR" sz="3200" b="1" dirty="0" smtClean="0">
+            <a:pPr algn="ctr"/>
+            <a:r>
+              <a:rPr lang="en-US" altLang="ko-KR" sz="3200" dirty="0" smtClean="0">
+                <a:ln w="0"/>
+                <a:effectLst>
+                  <a:outerShdw blurRad="38100" dist="19050" dir="2700000" algn="tl" rotWithShape="0">
+                    <a:schemeClr val="dk1">
+                      <a:alpha val="40000"/>
+                    </a:schemeClr>
+                  </a:outerShdw>
+                </a:effectLst>
                 <a:latin typeface="HY궁서" pitchFamily="18" charset="-127"/>
                 <a:ea typeface="HY궁서" pitchFamily="18" charset="-127"/>
               </a:rPr>
               <a:t>“Q&amp;A”</a:t>
             </a:r>
-            <a:endParaRPr lang="ko-KR" altLang="en-US" sz="3200" b="1" dirty="0">
+            <a:endParaRPr lang="ko-KR" altLang="en-US" sz="3200" dirty="0">
+              <a:ln w="0"/>
+              <a:effectLst>
+                <a:outerShdw blurRad="38100" dist="19050" dir="2700000" algn="tl" rotWithShape="0">
+                  <a:schemeClr val="dk1">
+                    <a:alpha val="40000"/>
+                  </a:schemeClr>
+                </a:outerShdw>
+              </a:effectLst>
               <a:latin typeface="HY궁서" pitchFamily="18" charset="-127"/>
               <a:ea typeface="HY궁서" pitchFamily="18" charset="-127"/>
             </a:endParaRPr>
@@ -3748,8 +4344,8 @@
         </p:nvSpPr>
         <p:spPr>
           <a:xfrm>
-            <a:off x="3286116" y="3487167"/>
-            <a:ext cx="2627642" cy="584775"/>
+            <a:off x="3579918" y="3429000"/>
+            <a:ext cx="2021707" cy="584775"/>
           </a:xfrm>
           <a:prstGeom prst="rect">
             <a:avLst/>
@@ -3762,42 +4358,46 @@
           </a:bodyPr>
           <a:lstStyle/>
           <a:p>
-            <a:r>
-              <a:rPr lang="en-US" altLang="ko-KR" sz="3200" b="1" dirty="0" smtClean="0">
+            <a:pPr algn="ctr"/>
+            <a:r>
+              <a:rPr lang="en-US" altLang="ko-KR" sz="3200" dirty="0">
+                <a:ln w="0"/>
+                <a:effectLst>
+                  <a:outerShdw blurRad="38100" dist="19050" dir="2700000" algn="tl" rotWithShape="0">
+                    <a:schemeClr val="dk1">
+                      <a:alpha val="40000"/>
+                    </a:schemeClr>
+                  </a:outerShdw>
+                </a:effectLst>
                 <a:latin typeface="HY궁서" pitchFamily="18" charset="-127"/>
                 <a:ea typeface="HY궁서" pitchFamily="18" charset="-127"/>
               </a:rPr>
-              <a:t>“</a:t>
-            </a:r>
-            <a:r>
-              <a:rPr lang="en-US" altLang="ko-KR" sz="3200" b="1" dirty="0" err="1" smtClean="0">
+              <a:t>“CODE</a:t>
+            </a:r>
+            <a:r>
+              <a:rPr lang="en-US" altLang="ko-KR" sz="3200" dirty="0" smtClean="0">
+                <a:ln w="0"/>
+                <a:effectLst>
+                  <a:outerShdw blurRad="38100" dist="19050" dir="2700000" algn="tl" rotWithShape="0">
+                    <a:schemeClr val="dk1">
+                      <a:alpha val="40000"/>
+                    </a:schemeClr>
+                  </a:outerShdw>
+                </a:effectLst>
                 <a:latin typeface="HY궁서" pitchFamily="18" charset="-127"/>
                 <a:ea typeface="HY궁서" pitchFamily="18" charset="-127"/>
               </a:rPr>
-              <a:t>Git</a:t>
-            </a:r>
-            <a:r>
-              <a:rPr lang="en-US" altLang="ko-KR" sz="3200" b="1" dirty="0" smtClean="0">
-                <a:latin typeface="HY궁서" pitchFamily="18" charset="-127"/>
-                <a:ea typeface="HY궁서" pitchFamily="18" charset="-127"/>
-              </a:rPr>
-              <a:t> </a:t>
-            </a:r>
-            <a:r>
-              <a:rPr lang="ko-KR" altLang="en-US" sz="3200" b="1" dirty="0" smtClean="0">
-                <a:latin typeface="HY궁서" pitchFamily="18" charset="-127"/>
-                <a:ea typeface="HY궁서" pitchFamily="18" charset="-127"/>
-              </a:rPr>
-              <a:t>협업</a:t>
-            </a:r>
-            <a:r>
-              <a:rPr lang="en-US" altLang="ko-KR" sz="3200" b="1" dirty="0" smtClean="0">
-                <a:latin typeface="HY궁서" pitchFamily="18" charset="-127"/>
-                <a:ea typeface="HY궁서" pitchFamily="18" charset="-127"/>
-              </a:rPr>
-              <a:t>”</a:t>
-            </a:r>
-            <a:endParaRPr lang="ko-KR" altLang="en-US" sz="3200" b="1" dirty="0">
+              <a:t>#”</a:t>
+            </a:r>
+            <a:endParaRPr lang="ko-KR" altLang="en-US" sz="3200" dirty="0">
+              <a:ln w="0"/>
+              <a:effectLst>
+                <a:outerShdw blurRad="38100" dist="19050" dir="2700000" algn="tl" rotWithShape="0">
+                  <a:schemeClr val="dk1">
+                    <a:alpha val="40000"/>
+                  </a:schemeClr>
+                </a:outerShdw>
+              </a:effectLst>
               <a:latin typeface="HY궁서" pitchFamily="18" charset="-127"/>
               <a:ea typeface="HY궁서" pitchFamily="18" charset="-127"/>
             </a:endParaRPr>
@@ -5549,7 +6149,17 @@
                   </a:schemeClr>
                 </a:solidFill>
               </a:rPr>
-              <a:t>health, </a:t>
+              <a:t>Health</a:t>
+            </a:r>
+            <a:r>
+              <a:rPr lang="en-US" altLang="ko-KR" sz="1600" dirty="0" smtClean="0">
+                <a:solidFill>
+                  <a:schemeClr val="accent3">
+                    <a:lumMod val="50000"/>
+                  </a:schemeClr>
+                </a:solidFill>
+              </a:rPr>
+              <a:t>, </a:t>
             </a:r>
             <a:r>
               <a:rPr lang="en-US" altLang="ko-KR" sz="1600" dirty="0" err="1" smtClean="0">
@@ -5559,7 +6169,7 @@
                   </a:schemeClr>
                 </a:solidFill>
               </a:rPr>
-              <a:t>hungryState</a:t>
+              <a:t>HungryState</a:t>
             </a:r>
             <a:r>
               <a:rPr lang="en-US" altLang="ko-KR" sz="1600" dirty="0" smtClean="0">
@@ -5632,7 +6242,7 @@
         <p:spPr>
           <a:xfrm>
             <a:off x="785786" y="1785926"/>
-            <a:ext cx="2910797" cy="584775"/>
+            <a:ext cx="3032946" cy="584775"/>
           </a:xfrm>
           <a:prstGeom prst="rect">
             <a:avLst/>
@@ -5663,7 +6273,7 @@
                   </a:schemeClr>
                 </a:solidFill>
               </a:rPr>
-              <a:t>Bodycolor</a:t>
+              <a:t>Furcolor</a:t>
             </a:r>
             <a:r>
               <a:rPr lang="en-US" altLang="ko-KR" sz="1600" dirty="0" smtClean="0">
@@ -5673,8 +6283,25 @@
                   </a:schemeClr>
                 </a:solidFill>
               </a:rPr>
-              <a:t>, Size, </a:t>
-            </a:r>
+              <a:t>, </a:t>
+            </a:r>
+            <a:r>
+              <a:rPr lang="en-US" altLang="ko-KR" sz="1600" dirty="0" err="1" smtClean="0">
+                <a:solidFill>
+                  <a:schemeClr val="accent2">
+                    <a:lumMod val="75000"/>
+                  </a:schemeClr>
+                </a:solidFill>
+              </a:rPr>
+              <a:t>Eyecolor</a:t>
+            </a:r>
+            <a:endParaRPr lang="en-US" altLang="ko-KR" sz="1600" dirty="0" smtClean="0">
+              <a:solidFill>
+                <a:schemeClr val="accent2">
+                  <a:lumMod val="75000"/>
+                </a:schemeClr>
+              </a:solidFill>
+            </a:endParaRPr>
           </a:p>
           <a:p>
             <a:r>
@@ -5685,18 +6312,40 @@
                   </a:schemeClr>
                 </a:solidFill>
               </a:rPr>
-              <a:t>health, </a:t>
-            </a:r>
-            <a:r>
-              <a:rPr lang="en-US" altLang="ko-KR" sz="1600" dirty="0" err="1" smtClean="0">
-                <a:solidFill>
-                  <a:schemeClr val="accent2">
-                    <a:lumMod val="75000"/>
-                  </a:schemeClr>
-                </a:solidFill>
-              </a:rPr>
-              <a:t>hungryState</a:t>
-            </a:r>
+              <a:t>Hungry, Age, Character</a:t>
+            </a:r>
+            <a:endParaRPr lang="ko-KR" altLang="en-US" sz="1600" dirty="0">
+              <a:solidFill>
+                <a:schemeClr val="accent2">
+                  <a:lumMod val="75000"/>
+                </a:schemeClr>
+              </a:solidFill>
+            </a:endParaRPr>
+          </a:p>
+        </p:txBody>
+      </p:sp>
+      <p:sp>
+        <p:nvSpPr>
+          <p:cNvPr id="77" name="TextBox 76"/>
+          <p:cNvSpPr txBox="1"/>
+          <p:nvPr/>
+        </p:nvSpPr>
+        <p:spPr>
+          <a:xfrm>
+            <a:off x="785786" y="2447504"/>
+            <a:ext cx="2749342" cy="338554"/>
+          </a:xfrm>
+          <a:prstGeom prst="rect">
+            <a:avLst/>
+          </a:prstGeom>
+          <a:noFill/>
+        </p:spPr>
+        <p:txBody>
+          <a:bodyPr wrap="none" rtlCol="0">
+            <a:spAutoFit/>
+          </a:bodyPr>
+          <a:lstStyle/>
+          <a:p>
             <a:r>
               <a:rPr lang="en-US" altLang="ko-KR" sz="1600" dirty="0" smtClean="0">
                 <a:solidFill>
@@ -5705,57 +6354,8 @@
                   </a:schemeClr>
                 </a:solidFill>
               </a:rPr>
-              <a:t> </a:t>
-            </a:r>
-            <a:endParaRPr lang="ko-KR" altLang="en-US" sz="1600" dirty="0">
-              <a:solidFill>
-                <a:schemeClr val="accent2">
-                  <a:lumMod val="75000"/>
-                </a:schemeClr>
-              </a:solidFill>
-            </a:endParaRPr>
-          </a:p>
-        </p:txBody>
-      </p:sp>
-      <p:sp>
-        <p:nvSpPr>
-          <p:cNvPr id="77" name="TextBox 76"/>
-          <p:cNvSpPr txBox="1"/>
-          <p:nvPr/>
-        </p:nvSpPr>
-        <p:spPr>
-          <a:xfrm>
-            <a:off x="785786" y="2447504"/>
-            <a:ext cx="1548437" cy="338554"/>
-          </a:xfrm>
-          <a:prstGeom prst="rect">
-            <a:avLst/>
-          </a:prstGeom>
-          <a:noFill/>
-        </p:spPr>
-        <p:txBody>
-          <a:bodyPr wrap="none" rtlCol="0">
-            <a:spAutoFit/>
-          </a:bodyPr>
-          <a:lstStyle/>
-          <a:p>
-            <a:r>
-              <a:rPr lang="en-US" altLang="ko-KR" sz="1600" dirty="0" smtClean="0">
-                <a:solidFill>
-                  <a:schemeClr val="accent2">
-                    <a:lumMod val="75000"/>
-                  </a:schemeClr>
-                </a:solidFill>
-              </a:rPr>
-              <a:t>Breed, Eat, Cry</a:t>
-            </a:r>
-            <a:endParaRPr lang="ko-KR" altLang="en-US" sz="1600" dirty="0">
-              <a:solidFill>
-                <a:schemeClr val="accent2">
-                  <a:lumMod val="75000"/>
-                </a:schemeClr>
-              </a:solidFill>
-            </a:endParaRPr>
+              <a:t>Eat, Sleep, Dump, Talk, Play</a:t>
+            </a:r>
           </a:p>
         </p:txBody>
       </p:sp>
@@ -6012,8 +6612,8 @@
         </p:nvSpPr>
         <p:spPr>
           <a:xfrm>
-            <a:off x="785786" y="3929066"/>
-            <a:ext cx="1190647" cy="584775"/>
+            <a:off x="755576" y="4049309"/>
+            <a:ext cx="824136" cy="338554"/>
           </a:xfrm>
           <a:prstGeom prst="rect">
             <a:avLst/>
@@ -6034,29 +6634,7 @@
                   </a:schemeClr>
                 </a:solidFill>
               </a:rPr>
-              <a:t>Beakcolor</a:t>
-            </a:r>
-            <a:r>
-              <a:rPr lang="en-US" altLang="ko-KR" sz="1600" dirty="0" smtClean="0">
-                <a:solidFill>
-                  <a:schemeClr val="accent2">
-                    <a:lumMod val="75000"/>
-                  </a:schemeClr>
-                </a:solidFill>
-              </a:rPr>
-              <a:t>, </a:t>
-            </a:r>
-          </a:p>
-          <a:p>
-            <a:r>
-              <a:rPr lang="en-US" altLang="ko-KR" sz="1600" dirty="0" smtClean="0">
-                <a:solidFill>
-                  <a:schemeClr val="accent2">
-                    <a:lumMod val="75000"/>
-                  </a:schemeClr>
-                </a:solidFill>
-              </a:rPr>
-              <a:t>Language</a:t>
+              <a:t>Fursize</a:t>
             </a:r>
             <a:endParaRPr lang="ko-KR" altLang="en-US" sz="1600" dirty="0">
               <a:solidFill>
@@ -6076,8 +6654,8 @@
         </p:nvSpPr>
         <p:spPr>
           <a:xfrm>
-            <a:off x="2357422" y="3929066"/>
-            <a:ext cx="1332737" cy="584775"/>
+            <a:off x="2339752" y="4077072"/>
+            <a:ext cx="997389" cy="338554"/>
           </a:xfrm>
           <a:prstGeom prst="rect">
             <a:avLst/>
@@ -6091,26 +6669,14 @@
           <a:lstStyle/>
           <a:p>
             <a:r>
-              <a:rPr lang="en-US" altLang="ko-KR" sz="1600" dirty="0" smtClean="0">
+              <a:rPr lang="en-US" altLang="ko-KR" sz="1600" dirty="0" err="1" smtClean="0">
                 <a:solidFill>
                   <a:schemeClr val="accent2">
                     <a:lumMod val="75000"/>
                   </a:schemeClr>
                 </a:solidFill>
               </a:rPr>
-              <a:t>Aggression, </a:t>
-            </a:r>
-          </a:p>
-          <a:p>
-            <a:r>
-              <a:rPr lang="en-US" altLang="ko-KR" sz="1600" dirty="0" smtClean="0">
-                <a:solidFill>
-                  <a:schemeClr val="accent2">
-                    <a:lumMod val="75000"/>
-                  </a:schemeClr>
-                </a:solidFill>
-              </a:rPr>
-              <a:t>Sex</a:t>
+              <a:t>Bodysize</a:t>
             </a:r>
             <a:endParaRPr lang="ko-KR" altLang="en-US" sz="1600" dirty="0">
               <a:solidFill>
@@ -6194,7 +6760,17 @@
                   </a:schemeClr>
                 </a:solidFill>
               </a:rPr>
-              <a:t>Fly, Say</a:t>
+              <a:t>Fly, </a:t>
+            </a:r>
+            <a:r>
+              <a:rPr lang="en-US" altLang="ko-KR" sz="1600" dirty="0" smtClean="0">
+                <a:solidFill>
+                  <a:schemeClr val="accent3">
+                    <a:lumMod val="50000"/>
+                  </a:schemeClr>
+                </a:solidFill>
+              </a:rPr>
+              <a:t>Say</a:t>
             </a:r>
             <a:endParaRPr lang="ko-KR" altLang="en-US" sz="1600" dirty="0">
               <a:solidFill>
@@ -6327,6 +6903,90 @@
                 <a:schemeClr val="tx1">
                   <a:lumMod val="75000"/>
                   <a:lumOff val="25000"/>
+                </a:schemeClr>
+              </a:solidFill>
+            </a:endParaRPr>
+          </a:p>
+        </p:txBody>
+      </p:sp>
+      <p:sp>
+        <p:nvSpPr>
+          <p:cNvPr id="46" name="TextBox 45"/>
+          <p:cNvSpPr txBox="1"/>
+          <p:nvPr/>
+        </p:nvSpPr>
+        <p:spPr>
+          <a:xfrm>
+            <a:off x="760393" y="4759921"/>
+            <a:ext cx="930383" cy="338554"/>
+          </a:xfrm>
+          <a:prstGeom prst="rect">
+            <a:avLst/>
+          </a:prstGeom>
+          <a:noFill/>
+        </p:spPr>
+        <p:txBody>
+          <a:bodyPr wrap="none" rtlCol="0">
+            <a:spAutoFit/>
+          </a:bodyPr>
+          <a:lstStyle/>
+          <a:p>
+            <a:r>
+              <a:rPr lang="en-US" altLang="ko-KR" sz="1600" dirty="0" smtClean="0">
+                <a:solidFill>
+                  <a:schemeClr val="accent2">
+                    <a:lumMod val="75000"/>
+                  </a:schemeClr>
+                </a:solidFill>
+              </a:rPr>
+              <a:t>Scratch </a:t>
+            </a:r>
+            <a:endParaRPr lang="ko-KR" altLang="en-US" sz="1600" dirty="0">
+              <a:solidFill>
+                <a:schemeClr val="accent2">
+                  <a:lumMod val="75000"/>
+                </a:schemeClr>
+              </a:solidFill>
+            </a:endParaRPr>
+          </a:p>
+        </p:txBody>
+      </p:sp>
+      <p:sp>
+        <p:nvSpPr>
+          <p:cNvPr id="47" name="TextBox 46"/>
+          <p:cNvSpPr txBox="1"/>
+          <p:nvPr/>
+        </p:nvSpPr>
+        <p:spPr>
+          <a:xfrm>
+            <a:off x="2356262" y="4744227"/>
+            <a:ext cx="641522" cy="338554"/>
+          </a:xfrm>
+          <a:prstGeom prst="rect">
+            <a:avLst/>
+          </a:prstGeom>
+          <a:noFill/>
+        </p:spPr>
+        <p:txBody>
+          <a:bodyPr wrap="none" rtlCol="0">
+            <a:spAutoFit/>
+          </a:bodyPr>
+          <a:lstStyle/>
+          <a:p>
+            <a:r>
+              <a:rPr lang="en-US" altLang="ko-KR" sz="1600" dirty="0" smtClean="0">
+                <a:solidFill>
+                  <a:schemeClr val="accent2">
+                    <a:lumMod val="75000"/>
+                  </a:schemeClr>
+                </a:solidFill>
+              </a:rPr>
+              <a:t>Hunt</a:t>
+            </a:r>
+            <a:endParaRPr lang="ko-KR" altLang="en-US" sz="1600" dirty="0">
+              <a:solidFill>
+                <a:schemeClr val="accent2">
+                  <a:lumMod val="75000"/>
                 </a:schemeClr>
               </a:solidFill>
             </a:endParaRPr>
@@ -6436,6 +7096,36 @@
           </a:fontRef>
         </p:style>
       </p:cxnSp>
+      <p:pic>
+        <p:nvPicPr>
+          <p:cNvPr id="6" name="그림 5"/>
+          <p:cNvPicPr>
+            <a:picLocks noChangeAspect="1"/>
+          </p:cNvPicPr>
+          <p:nvPr/>
+        </p:nvPicPr>
+        <p:blipFill>
+          <a:blip r:embed="rId2">
+            <a:extLst>
+              <a:ext uri="{28A0092B-C50C-407E-A947-70E740481C1C}">
+                <a14:useLocalDpi xmlns:a14="http://schemas.microsoft.com/office/drawing/2010/main" val="0"/>
+              </a:ext>
+            </a:extLst>
+          </a:blip>
+          <a:stretch>
+            <a:fillRect/>
+          </a:stretch>
+        </p:blipFill>
+        <p:spPr>
+          <a:xfrm>
+            <a:off x="827584" y="908719"/>
+            <a:ext cx="7488832" cy="5406001"/>
+          </a:xfrm>
+          <a:prstGeom prst="rect">
+            <a:avLst/>
+          </a:prstGeom>
+        </p:spPr>
+      </p:pic>
     </p:spTree>
   </p:cSld>
   <p:clrMapOvr>
@@ -6477,7 +7167,7 @@
         <p:spPr>
           <a:xfrm>
             <a:off x="152923" y="-24"/>
-            <a:ext cx="1865191" cy="584775"/>
+            <a:ext cx="1963807" cy="584775"/>
           </a:xfrm>
           <a:prstGeom prst="rect">
             <a:avLst/>
@@ -6491,20 +7181,12 @@
           <a:lstStyle/>
           <a:p>
             <a:r>
+              <a:rPr lang="ko-KR" altLang="en-US" sz="3200" b="1" dirty="0" smtClean="0"/>
+              <a:t>결과 </a:t>
+            </a:r>
+            <a:r>
               <a:rPr lang="en-US" altLang="ko-KR" sz="3200" b="1" dirty="0" smtClean="0"/>
-              <a:t> </a:t>
-            </a:r>
-            <a:r>
-              <a:rPr lang="en-US" altLang="ko-KR" sz="3200" b="1" dirty="0" err="1" smtClean="0"/>
-              <a:t>Git</a:t>
-            </a:r>
-            <a:r>
-              <a:rPr lang="en-US" altLang="ko-KR" sz="3200" b="1" dirty="0" smtClean="0"/>
-              <a:t>-</a:t>
-            </a:r>
-            <a:r>
-              <a:rPr lang="ko-KR" altLang="en-US" sz="3200" b="1" dirty="0" smtClean="0"/>
-              <a:t>협업</a:t>
+              <a:t>LOG</a:t>
             </a:r>
             <a:endParaRPr lang="ko-KR" altLang="en-US" sz="3200" b="1" dirty="0"/>
           </a:p>
@@ -6518,7 +7200,7 @@
         </p:nvCxnSpPr>
         <p:spPr>
           <a:xfrm>
-            <a:off x="-785850" y="569892"/>
+            <a:off x="-733792" y="548680"/>
             <a:ext cx="2857520" cy="1588"/>
           </a:xfrm>
           <a:prstGeom prst="line">
@@ -6547,7 +7229,72 @@
           </a:fontRef>
         </p:style>
       </p:cxnSp>
+      <p:pic>
+        <p:nvPicPr>
+          <p:cNvPr id="6" name="그림 5"/>
+          <p:cNvPicPr>
+            <a:picLocks noChangeAspect="1"/>
+          </p:cNvPicPr>
+          <p:nvPr/>
+        </p:nvPicPr>
+        <p:blipFill>
+          <a:blip r:embed="rId2">
+            <a:extLst>
+              <a:ext uri="{28A0092B-C50C-407E-A947-70E740481C1C}">
+                <a14:useLocalDpi xmlns:a14="http://schemas.microsoft.com/office/drawing/2010/main" val="0"/>
+              </a:ext>
+            </a:extLst>
+          </a:blip>
+          <a:stretch>
+            <a:fillRect/>
+          </a:stretch>
+        </p:blipFill>
+        <p:spPr>
+          <a:xfrm>
+            <a:off x="827584" y="908719"/>
+            <a:ext cx="7488832" cy="5406001"/>
+          </a:xfrm>
+          <a:prstGeom prst="rect">
+            <a:avLst/>
+          </a:prstGeom>
+        </p:spPr>
+      </p:pic>
+      <p:pic>
+        <p:nvPicPr>
+          <p:cNvPr id="7" name="그림 6"/>
+          <p:cNvPicPr>
+            <a:picLocks noChangeAspect="1"/>
+          </p:cNvPicPr>
+          <p:nvPr/>
+        </p:nvPicPr>
+        <p:blipFill>
+          <a:blip r:embed="rId3">
+            <a:extLst>
+              <a:ext uri="{28A0092B-C50C-407E-A947-70E740481C1C}">
+                <a14:useLocalDpi xmlns:a14="http://schemas.microsoft.com/office/drawing/2010/main" val="0"/>
+              </a:ext>
+            </a:extLst>
+          </a:blip>
+          <a:stretch>
+            <a:fillRect/>
+          </a:stretch>
+        </p:blipFill>
+        <p:spPr>
+          <a:xfrm>
+            <a:off x="827583" y="908719"/>
+            <a:ext cx="7410723" cy="5406001"/>
+          </a:xfrm>
+          <a:prstGeom prst="rect">
+            <a:avLst/>
+          </a:prstGeom>
+        </p:spPr>
+      </p:pic>
     </p:spTree>
+    <p:extLst>
+      <p:ext uri="{BB962C8B-B14F-4D97-AF65-F5344CB8AC3E}">
+        <p14:creationId xmlns:p14="http://schemas.microsoft.com/office/powerpoint/2010/main" val="3014938212"/>
+      </p:ext>
+    </p:extLst>
   </p:cSld>
   <p:clrMapOvr>
     <a:masterClrMapping/>
@@ -6617,7 +7364,7 @@
         </p:nvCxnSpPr>
         <p:spPr>
           <a:xfrm>
-            <a:off x="-785850" y="569892"/>
+            <a:off x="-733792" y="548680"/>
             <a:ext cx="2857520" cy="1588"/>
           </a:xfrm>
           <a:prstGeom prst="line">
@@ -6646,6 +7393,107 @@
           </a:fontRef>
         </p:style>
       </p:cxnSp>
+      <p:pic>
+        <p:nvPicPr>
+          <p:cNvPr id="2" name="그림 1"/>
+          <p:cNvPicPr>
+            <a:picLocks noChangeAspect="1"/>
+          </p:cNvPicPr>
+          <p:nvPr/>
+        </p:nvPicPr>
+        <p:blipFill>
+          <a:blip r:embed="rId2">
+            <a:extLst>
+              <a:ext uri="{28A0092B-C50C-407E-A947-70E740481C1C}">
+                <a14:useLocalDpi xmlns:a14="http://schemas.microsoft.com/office/drawing/2010/main" val="0"/>
+              </a:ext>
+            </a:extLst>
+          </a:blip>
+          <a:stretch>
+            <a:fillRect/>
+          </a:stretch>
+        </p:blipFill>
+        <p:spPr>
+          <a:xfrm>
+            <a:off x="395536" y="1340768"/>
+            <a:ext cx="4724400" cy="1828800"/>
+          </a:xfrm>
+          <a:prstGeom prst="rect">
+            <a:avLst/>
+          </a:prstGeom>
+        </p:spPr>
+      </p:pic>
+      <p:sp>
+        <p:nvSpPr>
+          <p:cNvPr id="3" name="TextBox 2"/>
+          <p:cNvSpPr txBox="1"/>
+          <p:nvPr/>
+        </p:nvSpPr>
+        <p:spPr>
+          <a:xfrm>
+            <a:off x="323528" y="899428"/>
+            <a:ext cx="3050835" cy="369332"/>
+          </a:xfrm>
+          <a:prstGeom prst="rect">
+            <a:avLst/>
+          </a:prstGeom>
+          <a:noFill/>
+        </p:spPr>
+        <p:txBody>
+          <a:bodyPr wrap="none" rtlCol="0">
+            <a:spAutoFit/>
+          </a:bodyPr>
+          <a:lstStyle/>
+          <a:p>
+            <a:r>
+              <a:rPr lang="ko-KR" altLang="en-US" b="1" u="sng" dirty="0" smtClean="0"/>
+              <a:t>생성 </a:t>
+            </a:r>
+            <a:r>
+              <a:rPr lang="ko-KR" altLang="en-US" b="1" u="sng" dirty="0"/>
+              <a:t>객체와 </a:t>
+            </a:r>
+            <a:r>
+              <a:rPr lang="ko-KR" altLang="en-US" b="1" u="sng" dirty="0" smtClean="0"/>
+              <a:t>실행 </a:t>
+            </a:r>
+            <a:r>
+              <a:rPr lang="ko-KR" altLang="en-US" b="1" u="sng" dirty="0"/>
+              <a:t>객체 분리</a:t>
+            </a:r>
+          </a:p>
+        </p:txBody>
+      </p:sp>
+      <p:pic>
+        <p:nvPicPr>
+          <p:cNvPr id="7" name="그림 6"/>
+          <p:cNvPicPr>
+            <a:picLocks noChangeAspect="1"/>
+          </p:cNvPicPr>
+          <p:nvPr/>
+        </p:nvPicPr>
+        <p:blipFill>
+          <a:blip r:embed="rId3">
+            <a:extLst>
+              <a:ext uri="{28A0092B-C50C-407E-A947-70E740481C1C}">
+                <a14:useLocalDpi xmlns:a14="http://schemas.microsoft.com/office/drawing/2010/main" val="0"/>
+              </a:ext>
+            </a:extLst>
+          </a:blip>
+          <a:stretch>
+            <a:fillRect/>
+          </a:stretch>
+        </p:blipFill>
+        <p:spPr>
+          <a:xfrm>
+            <a:off x="1979712" y="3645024"/>
+            <a:ext cx="6803679" cy="2232248"/>
+          </a:xfrm>
+          <a:prstGeom prst="rect">
+            <a:avLst/>
+          </a:prstGeom>
+        </p:spPr>
+      </p:pic>
     </p:spTree>
   </p:cSld>
   <p:clrMapOvr>
@@ -6745,6 +7593,321 @@
           </a:fontRef>
         </p:style>
       </p:cxnSp>
+      <p:sp>
+        <p:nvSpPr>
+          <p:cNvPr id="9" name="TextBox 8"/>
+          <p:cNvSpPr txBox="1"/>
+          <p:nvPr/>
+        </p:nvSpPr>
+        <p:spPr>
+          <a:xfrm>
+            <a:off x="683569" y="2010326"/>
+            <a:ext cx="1970411" cy="338554"/>
+          </a:xfrm>
+          <a:prstGeom prst="rect">
+            <a:avLst/>
+          </a:prstGeom>
+          <a:noFill/>
+        </p:spPr>
+        <p:txBody>
+          <a:bodyPr wrap="none" rtlCol="0">
+            <a:spAutoFit/>
+          </a:bodyPr>
+          <a:lstStyle/>
+          <a:p>
+            <a:r>
+              <a:rPr lang="ko-KR" altLang="en-US" sz="1600" b="1" dirty="0" smtClean="0"/>
+              <a:t>포유류의 </a:t>
+            </a:r>
+            <a:r>
+              <a:rPr lang="ko-KR" altLang="en-US" sz="1600" b="1" dirty="0" smtClean="0"/>
+              <a:t>공통 행동</a:t>
+            </a:r>
+            <a:endParaRPr lang="ko-KR" altLang="en-US" sz="1600" b="1" dirty="0"/>
+          </a:p>
+        </p:txBody>
+      </p:sp>
+      <p:sp>
+        <p:nvSpPr>
+          <p:cNvPr id="10" name="TextBox 9"/>
+          <p:cNvSpPr txBox="1"/>
+          <p:nvPr/>
+        </p:nvSpPr>
+        <p:spPr>
+          <a:xfrm>
+            <a:off x="4816186" y="674293"/>
+            <a:ext cx="2472280" cy="338554"/>
+          </a:xfrm>
+          <a:prstGeom prst="rect">
+            <a:avLst/>
+          </a:prstGeom>
+          <a:noFill/>
+        </p:spPr>
+        <p:txBody>
+          <a:bodyPr wrap="none" rtlCol="0">
+            <a:spAutoFit/>
+          </a:bodyPr>
+          <a:lstStyle/>
+          <a:p>
+            <a:r>
+              <a:rPr lang="ko-KR" altLang="en-US" sz="1600" b="1" dirty="0" smtClean="0"/>
+              <a:t>고양이의 행동</a:t>
+            </a:r>
+            <a:r>
+              <a:rPr lang="en-US" altLang="ko-KR" sz="1600" b="1" dirty="0" smtClean="0"/>
+              <a:t>(Override)</a:t>
+            </a:r>
+            <a:endParaRPr lang="ko-KR" altLang="en-US" sz="1600" b="1" dirty="0"/>
+          </a:p>
+        </p:txBody>
+      </p:sp>
+      <p:sp>
+        <p:nvSpPr>
+          <p:cNvPr id="11" name="TextBox 10"/>
+          <p:cNvSpPr txBox="1"/>
+          <p:nvPr/>
+        </p:nvSpPr>
+        <p:spPr>
+          <a:xfrm>
+            <a:off x="4868797" y="3382385"/>
+            <a:ext cx="2472280" cy="584775"/>
+          </a:xfrm>
+          <a:prstGeom prst="rect">
+            <a:avLst/>
+          </a:prstGeom>
+          <a:noFill/>
+        </p:spPr>
+        <p:txBody>
+          <a:bodyPr wrap="none" rtlCol="0">
+            <a:spAutoFit/>
+          </a:bodyPr>
+          <a:lstStyle/>
+          <a:p>
+            <a:r>
+              <a:rPr lang="ko-KR" altLang="en-US" sz="1600" b="1" dirty="0" smtClean="0"/>
+              <a:t>강아지</a:t>
+            </a:r>
+            <a:r>
+              <a:rPr lang="ko-KR" altLang="en-US" sz="1600" b="1" dirty="0" smtClean="0"/>
+              <a:t>의 행동</a:t>
+            </a:r>
+            <a:r>
+              <a:rPr lang="en-US" altLang="ko-KR" sz="1600" b="1" dirty="0"/>
+              <a:t>(Override)</a:t>
+            </a:r>
+            <a:endParaRPr lang="ko-KR" altLang="en-US" sz="1600" b="1" dirty="0"/>
+          </a:p>
+          <a:p>
+            <a:endParaRPr lang="ko-KR" altLang="en-US" sz="1600" b="1" dirty="0"/>
+          </a:p>
+        </p:txBody>
+      </p:sp>
+      <p:pic>
+        <p:nvPicPr>
+          <p:cNvPr id="2" name="그림 1"/>
+          <p:cNvPicPr>
+            <a:picLocks noChangeAspect="1"/>
+          </p:cNvPicPr>
+          <p:nvPr/>
+        </p:nvPicPr>
+        <p:blipFill>
+          <a:blip r:embed="rId2">
+            <a:extLst>
+              <a:ext uri="{28A0092B-C50C-407E-A947-70E740481C1C}">
+                <a14:useLocalDpi xmlns:a14="http://schemas.microsoft.com/office/drawing/2010/main" val="0"/>
+              </a:ext>
+            </a:extLst>
+          </a:blip>
+          <a:stretch>
+            <a:fillRect/>
+          </a:stretch>
+        </p:blipFill>
+        <p:spPr>
+          <a:xfrm>
+            <a:off x="683569" y="2348880"/>
+            <a:ext cx="3670869" cy="2195529"/>
+          </a:xfrm>
+          <a:prstGeom prst="rect">
+            <a:avLst/>
+          </a:prstGeom>
+        </p:spPr>
+      </p:pic>
+      <p:pic>
+        <p:nvPicPr>
+          <p:cNvPr id="3" name="그림 2"/>
+          <p:cNvPicPr>
+            <a:picLocks noChangeAspect="1"/>
+          </p:cNvPicPr>
+          <p:nvPr/>
+        </p:nvPicPr>
+        <p:blipFill>
+          <a:blip r:embed="rId3">
+            <a:extLst>
+              <a:ext uri="{28A0092B-C50C-407E-A947-70E740481C1C}">
+                <a14:useLocalDpi xmlns:a14="http://schemas.microsoft.com/office/drawing/2010/main" val="0"/>
+              </a:ext>
+            </a:extLst>
+          </a:blip>
+          <a:stretch>
+            <a:fillRect/>
+          </a:stretch>
+        </p:blipFill>
+        <p:spPr>
+          <a:xfrm>
+            <a:off x="4868797" y="1007203"/>
+            <a:ext cx="3231595" cy="2042272"/>
+          </a:xfrm>
+          <a:prstGeom prst="rect">
+            <a:avLst/>
+          </a:prstGeom>
+        </p:spPr>
+      </p:pic>
+      <p:pic>
+        <p:nvPicPr>
+          <p:cNvPr id="6" name="그림 5"/>
+          <p:cNvPicPr>
+            <a:picLocks noChangeAspect="1"/>
+          </p:cNvPicPr>
+          <p:nvPr/>
+        </p:nvPicPr>
+        <p:blipFill>
+          <a:blip r:embed="rId4">
+            <a:extLst>
+              <a:ext uri="{28A0092B-C50C-407E-A947-70E740481C1C}">
+                <a14:useLocalDpi xmlns:a14="http://schemas.microsoft.com/office/drawing/2010/main" val="0"/>
+              </a:ext>
+            </a:extLst>
+          </a:blip>
+          <a:stretch>
+            <a:fillRect/>
+          </a:stretch>
+        </p:blipFill>
+        <p:spPr>
+          <a:xfrm>
+            <a:off x="4894692" y="3756575"/>
+            <a:ext cx="3205699" cy="2162727"/>
+          </a:xfrm>
+          <a:prstGeom prst="rect">
+            <a:avLst/>
+          </a:prstGeom>
+        </p:spPr>
+      </p:pic>
+      <p:cxnSp>
+        <p:nvCxnSpPr>
+          <p:cNvPr id="8" name="직선 화살표 연결선 7"/>
+          <p:cNvCxnSpPr>
+            <a:stCxn id="3" idx="1"/>
+            <a:endCxn id="2" idx="3"/>
+          </p:cNvCxnSpPr>
+          <p:nvPr/>
+        </p:nvCxnSpPr>
+        <p:spPr>
+          <a:xfrm flipH="1">
+            <a:off x="4354438" y="2028339"/>
+            <a:ext cx="514359" cy="1418306"/>
+          </a:xfrm>
+          <a:prstGeom prst="straightConnector1">
+            <a:avLst/>
+          </a:prstGeom>
+          <a:ln>
+            <a:headEnd type="triangle"/>
+            <a:tailEnd type="none"/>
+          </a:ln>
+        </p:spPr>
+        <p:style>
+          <a:lnRef idx="2">
+            <a:schemeClr val="accent1"/>
+          </a:lnRef>
+          <a:fillRef idx="0">
+            <a:schemeClr val="accent1"/>
+          </a:fillRef>
+          <a:effectRef idx="1">
+            <a:schemeClr val="accent1"/>
+          </a:effectRef>
+          <a:fontRef idx="minor">
+            <a:schemeClr val="tx1"/>
+          </a:fontRef>
+        </p:style>
+      </p:cxnSp>
+      <p:cxnSp>
+        <p:nvCxnSpPr>
+          <p:cNvPr id="18" name="직선 화살표 연결선 17"/>
+          <p:cNvCxnSpPr>
+            <a:stCxn id="6" idx="1"/>
+            <a:endCxn id="2" idx="3"/>
+          </p:cNvCxnSpPr>
+          <p:nvPr/>
+        </p:nvCxnSpPr>
+        <p:spPr>
+          <a:xfrm flipH="1" flipV="1">
+            <a:off x="4354438" y="3446645"/>
+            <a:ext cx="540254" cy="1391294"/>
+          </a:xfrm>
+          <a:prstGeom prst="straightConnector1">
+            <a:avLst/>
+          </a:prstGeom>
+          <a:ln>
+            <a:headEnd type="triangle"/>
+            <a:tailEnd type="none"/>
+          </a:ln>
+        </p:spPr>
+        <p:style>
+          <a:lnRef idx="2">
+            <a:schemeClr val="accent1"/>
+          </a:lnRef>
+          <a:fillRef idx="0">
+            <a:schemeClr val="accent1"/>
+          </a:fillRef>
+          <a:effectRef idx="1">
+            <a:schemeClr val="accent1"/>
+          </a:effectRef>
+          <a:fontRef idx="minor">
+            <a:schemeClr val="tx1"/>
+          </a:fontRef>
+        </p:style>
+      </p:cxnSp>
+      <p:sp>
+        <p:nvSpPr>
+          <p:cNvPr id="22" name="TextBox 21"/>
+          <p:cNvSpPr txBox="1"/>
+          <p:nvPr/>
+        </p:nvSpPr>
+        <p:spPr>
+          <a:xfrm>
+            <a:off x="640139" y="4931876"/>
+            <a:ext cx="3970484" cy="369332"/>
+          </a:xfrm>
+          <a:prstGeom prst="rect">
+            <a:avLst/>
+          </a:prstGeom>
+          <a:noFill/>
+        </p:spPr>
+        <p:txBody>
+          <a:bodyPr wrap="square" rtlCol="0">
+            <a:spAutoFit/>
+          </a:bodyPr>
+          <a:lstStyle/>
+          <a:p>
+            <a:r>
+              <a:rPr lang="en-US" altLang="ko-KR" b="1" dirty="0" smtClean="0"/>
+              <a:t>: </a:t>
+            </a:r>
+            <a:r>
+              <a:rPr lang="ko-KR" altLang="en-US" b="1" dirty="0" smtClean="0"/>
+              <a:t>단순한 속성 변경과 </a:t>
+            </a:r>
+            <a:r>
+              <a:rPr lang="ko-KR" altLang="en-US" b="1" dirty="0" err="1" smtClean="0"/>
+              <a:t>메소드</a:t>
+            </a:r>
+            <a:r>
+              <a:rPr lang="ko-KR" altLang="en-US" b="1" dirty="0" smtClean="0"/>
+              <a:t> 재정의</a:t>
+            </a:r>
+            <a:endParaRPr lang="ko-KR" altLang="en-US" b="1" dirty="0"/>
+          </a:p>
+        </p:txBody>
+      </p:sp>
     </p:spTree>
   </p:cSld>
   <p:clrMapOvr>
@@ -7082,6 +8245,11 @@
         </p:txBody>
       </p:sp>
     </p:spTree>
+    <p:extLst>
+      <p:ext uri="{BB962C8B-B14F-4D97-AF65-F5344CB8AC3E}">
+        <p14:creationId xmlns:p14="http://schemas.microsoft.com/office/powerpoint/2010/main" val="3714833321"/>
+      </p:ext>
+    </p:extLst>
   </p:cSld>
   <p:clrMapOvr>
     <a:masterClrMapping/>

--- a/Pet/WebContent/share/동물농장.pptx
+++ b/Pet/WebContent/share/동물농장.pptx
@@ -4,6 +4,9 @@
   <p:sldMasterIdLst>
     <p:sldMasterId id="2147483648" r:id="rId1"/>
   </p:sldMasterIdLst>
+  <p:notesMasterIdLst>
+    <p:notesMasterId r:id="rId15"/>
+  </p:notesMasterIdLst>
   <p:sldIdLst>
     <p:sldId id="256" r:id="rId2"/>
     <p:sldId id="257" r:id="rId3"/>
@@ -118,7 +121,7 @@
   </p:defaultTextStyle>
   <p:extLst>
     <p:ext uri="{EFAFB233-063F-42B5-8137-9DF3F51BA10A}">
-      <p15:sldGuideLst xmlns:p15="http://schemas.microsoft.com/office/powerpoint/2012/main">
+      <p15:sldGuideLst xmlns:p15="http://schemas.microsoft.com/office/powerpoint/2012/main" xmlns="">
         <p15:guide id="1" orient="horz" pos="2160">
           <p15:clr>
             <a:srgbClr val="A4A3A4"/>
@@ -133,6 +136,1845 @@
     </p:ext>
   </p:extLst>
 </p:presentation>
+</file>
+
+<file path=ppt/notesMasters/notesMaster1.xml><?xml version="1.0" encoding="utf-8"?>
+<p:notesMaster xmlns:a="http://schemas.openxmlformats.org/drawingml/2006/main" xmlns:r="http://schemas.openxmlformats.org/officeDocument/2006/relationships" xmlns:p="http://schemas.openxmlformats.org/presentationml/2006/main">
+  <p:cSld>
+    <p:bg>
+      <p:bgRef idx="1001">
+        <a:schemeClr val="bg1"/>
+      </p:bgRef>
+    </p:bg>
+    <p:spTree>
+      <p:nvGrpSpPr>
+        <p:cNvPr id="1" name=""/>
+        <p:cNvGrpSpPr/>
+        <p:nvPr/>
+      </p:nvGrpSpPr>
+      <p:grpSpPr>
+        <a:xfrm>
+          <a:off x="0" y="0"/>
+          <a:ext cx="0" cy="0"/>
+          <a:chOff x="0" y="0"/>
+          <a:chExt cx="0" cy="0"/>
+        </a:xfrm>
+      </p:grpSpPr>
+      <p:sp>
+        <p:nvSpPr>
+          <p:cNvPr id="2" name="머리글 개체 틀 1"/>
+          <p:cNvSpPr>
+            <a:spLocks noGrp="1"/>
+          </p:cNvSpPr>
+          <p:nvPr>
+            <p:ph type="hdr" sz="quarter"/>
+          </p:nvPr>
+        </p:nvSpPr>
+        <p:spPr>
+          <a:xfrm>
+            <a:off x="0" y="0"/>
+            <a:ext cx="2971800" cy="457200"/>
+          </a:xfrm>
+          <a:prstGeom prst="rect">
+            <a:avLst/>
+          </a:prstGeom>
+        </p:spPr>
+        <p:txBody>
+          <a:bodyPr vert="horz" lIns="91440" tIns="45720" rIns="91440" bIns="45720" rtlCol="0"/>
+          <a:lstStyle>
+            <a:lvl1pPr algn="l">
+              <a:defRPr sz="1200"/>
+            </a:lvl1pPr>
+          </a:lstStyle>
+          <a:p>
+            <a:endParaRPr lang="ko-KR" altLang="en-US"/>
+          </a:p>
+        </p:txBody>
+      </p:sp>
+      <p:sp>
+        <p:nvSpPr>
+          <p:cNvPr id="3" name="날짜 개체 틀 2"/>
+          <p:cNvSpPr>
+            <a:spLocks noGrp="1"/>
+          </p:cNvSpPr>
+          <p:nvPr>
+            <p:ph type="dt" idx="1"/>
+          </p:nvPr>
+        </p:nvSpPr>
+        <p:spPr>
+          <a:xfrm>
+            <a:off x="3884613" y="0"/>
+            <a:ext cx="2971800" cy="457200"/>
+          </a:xfrm>
+          <a:prstGeom prst="rect">
+            <a:avLst/>
+          </a:prstGeom>
+        </p:spPr>
+        <p:txBody>
+          <a:bodyPr vert="horz" lIns="91440" tIns="45720" rIns="91440" bIns="45720" rtlCol="0"/>
+          <a:lstStyle>
+            <a:lvl1pPr algn="r">
+              <a:defRPr sz="1200"/>
+            </a:lvl1pPr>
+          </a:lstStyle>
+          <a:p>
+            <a:fld id="{B3BAD003-EAB3-4064-97C2-DB40A174F99D}" type="datetimeFigureOut">
+              <a:rPr lang="ko-KR" altLang="en-US" smtClean="0"/>
+              <a:t>17-07-27 Thu</a:t>
+            </a:fld>
+            <a:endParaRPr lang="ko-KR" altLang="en-US"/>
+          </a:p>
+        </p:txBody>
+      </p:sp>
+      <p:sp>
+        <p:nvSpPr>
+          <p:cNvPr id="4" name="슬라이드 이미지 개체 틀 3"/>
+          <p:cNvSpPr>
+            <a:spLocks noGrp="1" noRot="1" noChangeAspect="1"/>
+          </p:cNvSpPr>
+          <p:nvPr>
+            <p:ph type="sldImg" idx="2"/>
+          </p:nvPr>
+        </p:nvSpPr>
+        <p:spPr>
+          <a:xfrm>
+            <a:off x="1143000" y="685800"/>
+            <a:ext cx="4572000" cy="3429000"/>
+          </a:xfrm>
+          <a:prstGeom prst="rect">
+            <a:avLst/>
+          </a:prstGeom>
+          <a:noFill/>
+          <a:ln w="12700">
+            <a:solidFill>
+              <a:prstClr val="black"/>
+            </a:solidFill>
+          </a:ln>
+        </p:spPr>
+        <p:txBody>
+          <a:bodyPr vert="horz" lIns="91440" tIns="45720" rIns="91440" bIns="45720" rtlCol="0" anchor="ctr"/>
+          <a:lstStyle/>
+          <a:p>
+            <a:endParaRPr lang="ko-KR" altLang="en-US"/>
+          </a:p>
+        </p:txBody>
+      </p:sp>
+      <p:sp>
+        <p:nvSpPr>
+          <p:cNvPr id="5" name="슬라이드 노트 개체 틀 4"/>
+          <p:cNvSpPr>
+            <a:spLocks noGrp="1"/>
+          </p:cNvSpPr>
+          <p:nvPr>
+            <p:ph type="body" sz="quarter" idx="3"/>
+          </p:nvPr>
+        </p:nvSpPr>
+        <p:spPr>
+          <a:xfrm>
+            <a:off x="685800" y="4343400"/>
+            <a:ext cx="5486400" cy="4114800"/>
+          </a:xfrm>
+          <a:prstGeom prst="rect">
+            <a:avLst/>
+          </a:prstGeom>
+        </p:spPr>
+        <p:txBody>
+          <a:bodyPr vert="horz" lIns="91440" tIns="45720" rIns="91440" bIns="45720" rtlCol="0"/>
+          <a:lstStyle/>
+          <a:p>
+            <a:pPr lvl="0"/>
+            <a:r>
+              <a:rPr lang="ko-KR" altLang="en-US" smtClean="0"/>
+              <a:t>마스터 텍스트 스타일을 편집합니다</a:t>
+            </a:r>
+          </a:p>
+          <a:p>
+            <a:pPr lvl="1"/>
+            <a:r>
+              <a:rPr lang="ko-KR" altLang="en-US" smtClean="0"/>
+              <a:t>둘째 수준</a:t>
+            </a:r>
+          </a:p>
+          <a:p>
+            <a:pPr lvl="2"/>
+            <a:r>
+              <a:rPr lang="ko-KR" altLang="en-US" smtClean="0"/>
+              <a:t>셋째 수준</a:t>
+            </a:r>
+          </a:p>
+          <a:p>
+            <a:pPr lvl="3"/>
+            <a:r>
+              <a:rPr lang="ko-KR" altLang="en-US" smtClean="0"/>
+              <a:t>넷째 수준</a:t>
+            </a:r>
+          </a:p>
+          <a:p>
+            <a:pPr lvl="4"/>
+            <a:r>
+              <a:rPr lang="ko-KR" altLang="en-US" smtClean="0"/>
+              <a:t>다섯째 수준</a:t>
+            </a:r>
+            <a:endParaRPr lang="ko-KR" altLang="en-US"/>
+          </a:p>
+        </p:txBody>
+      </p:sp>
+      <p:sp>
+        <p:nvSpPr>
+          <p:cNvPr id="6" name="바닥글 개체 틀 5"/>
+          <p:cNvSpPr>
+            <a:spLocks noGrp="1"/>
+          </p:cNvSpPr>
+          <p:nvPr>
+            <p:ph type="ftr" sz="quarter" idx="4"/>
+          </p:nvPr>
+        </p:nvSpPr>
+        <p:spPr>
+          <a:xfrm>
+            <a:off x="0" y="8685213"/>
+            <a:ext cx="2971800" cy="457200"/>
+          </a:xfrm>
+          <a:prstGeom prst="rect">
+            <a:avLst/>
+          </a:prstGeom>
+        </p:spPr>
+        <p:txBody>
+          <a:bodyPr vert="horz" lIns="91440" tIns="45720" rIns="91440" bIns="45720" rtlCol="0" anchor="b"/>
+          <a:lstStyle>
+            <a:lvl1pPr algn="l">
+              <a:defRPr sz="1200"/>
+            </a:lvl1pPr>
+          </a:lstStyle>
+          <a:p>
+            <a:endParaRPr lang="ko-KR" altLang="en-US"/>
+          </a:p>
+        </p:txBody>
+      </p:sp>
+      <p:sp>
+        <p:nvSpPr>
+          <p:cNvPr id="7" name="슬라이드 번호 개체 틀 6"/>
+          <p:cNvSpPr>
+            <a:spLocks noGrp="1"/>
+          </p:cNvSpPr>
+          <p:nvPr>
+            <p:ph type="sldNum" sz="quarter" idx="5"/>
+          </p:nvPr>
+        </p:nvSpPr>
+        <p:spPr>
+          <a:xfrm>
+            <a:off x="3884613" y="8685213"/>
+            <a:ext cx="2971800" cy="457200"/>
+          </a:xfrm>
+          <a:prstGeom prst="rect">
+            <a:avLst/>
+          </a:prstGeom>
+        </p:spPr>
+        <p:txBody>
+          <a:bodyPr vert="horz" lIns="91440" tIns="45720" rIns="91440" bIns="45720" rtlCol="0" anchor="b"/>
+          <a:lstStyle>
+            <a:lvl1pPr algn="r">
+              <a:defRPr sz="1200"/>
+            </a:lvl1pPr>
+          </a:lstStyle>
+          <a:p>
+            <a:fld id="{11024B8E-A0BE-41F8-A2C4-E2F9A7419135}" type="slidenum">
+              <a:rPr lang="ko-KR" altLang="en-US" smtClean="0"/>
+              <a:t>‹#›</a:t>
+            </a:fld>
+            <a:endParaRPr lang="ko-KR" altLang="en-US"/>
+          </a:p>
+        </p:txBody>
+      </p:sp>
+    </p:spTree>
+    <p:extLst>
+      <p:ext uri="{BB962C8B-B14F-4D97-AF65-F5344CB8AC3E}">
+        <p14:creationId xmlns:p14="http://schemas.microsoft.com/office/powerpoint/2010/main" val="1137281680"/>
+      </p:ext>
+    </p:extLst>
+  </p:cSld>
+  <p:clrMap bg1="lt1" tx1="dk1" bg2="lt2" tx2="dk2" accent1="accent1" accent2="accent2" accent3="accent3" accent4="accent4" accent5="accent5" accent6="accent6" hlink="hlink" folHlink="folHlink"/>
+  <p:notesStyle>
+    <a:lvl1pPr marL="0" algn="l" defTabSz="914400" rtl="0" eaLnBrk="1" latinLnBrk="1" hangingPunct="1">
+      <a:defRPr sz="1200" kern="1200">
+        <a:solidFill>
+          <a:schemeClr val="tx1"/>
+        </a:solidFill>
+        <a:latin typeface="+mn-lt"/>
+        <a:ea typeface="+mn-ea"/>
+        <a:cs typeface="+mn-cs"/>
+      </a:defRPr>
+    </a:lvl1pPr>
+    <a:lvl2pPr marL="457200" algn="l" defTabSz="914400" rtl="0" eaLnBrk="1" latinLnBrk="1" hangingPunct="1">
+      <a:defRPr sz="1200" kern="1200">
+        <a:solidFill>
+          <a:schemeClr val="tx1"/>
+        </a:solidFill>
+        <a:latin typeface="+mn-lt"/>
+        <a:ea typeface="+mn-ea"/>
+        <a:cs typeface="+mn-cs"/>
+      </a:defRPr>
+    </a:lvl2pPr>
+    <a:lvl3pPr marL="914400" algn="l" defTabSz="914400" rtl="0" eaLnBrk="1" latinLnBrk="1" hangingPunct="1">
+      <a:defRPr sz="1200" kern="1200">
+        <a:solidFill>
+          <a:schemeClr val="tx1"/>
+        </a:solidFill>
+        <a:latin typeface="+mn-lt"/>
+        <a:ea typeface="+mn-ea"/>
+        <a:cs typeface="+mn-cs"/>
+      </a:defRPr>
+    </a:lvl3pPr>
+    <a:lvl4pPr marL="1371600" algn="l" defTabSz="914400" rtl="0" eaLnBrk="1" latinLnBrk="1" hangingPunct="1">
+      <a:defRPr sz="1200" kern="1200">
+        <a:solidFill>
+          <a:schemeClr val="tx1"/>
+        </a:solidFill>
+        <a:latin typeface="+mn-lt"/>
+        <a:ea typeface="+mn-ea"/>
+        <a:cs typeface="+mn-cs"/>
+      </a:defRPr>
+    </a:lvl4pPr>
+    <a:lvl5pPr marL="1828800" algn="l" defTabSz="914400" rtl="0" eaLnBrk="1" latinLnBrk="1" hangingPunct="1">
+      <a:defRPr sz="1200" kern="1200">
+        <a:solidFill>
+          <a:schemeClr val="tx1"/>
+        </a:solidFill>
+        <a:latin typeface="+mn-lt"/>
+        <a:ea typeface="+mn-ea"/>
+        <a:cs typeface="+mn-cs"/>
+      </a:defRPr>
+    </a:lvl5pPr>
+    <a:lvl6pPr marL="2286000" algn="l" defTabSz="914400" rtl="0" eaLnBrk="1" latinLnBrk="1" hangingPunct="1">
+      <a:defRPr sz="1200" kern="1200">
+        <a:solidFill>
+          <a:schemeClr val="tx1"/>
+        </a:solidFill>
+        <a:latin typeface="+mn-lt"/>
+        <a:ea typeface="+mn-ea"/>
+        <a:cs typeface="+mn-cs"/>
+      </a:defRPr>
+    </a:lvl6pPr>
+    <a:lvl7pPr marL="2743200" algn="l" defTabSz="914400" rtl="0" eaLnBrk="1" latinLnBrk="1" hangingPunct="1">
+      <a:defRPr sz="1200" kern="1200">
+        <a:solidFill>
+          <a:schemeClr val="tx1"/>
+        </a:solidFill>
+        <a:latin typeface="+mn-lt"/>
+        <a:ea typeface="+mn-ea"/>
+        <a:cs typeface="+mn-cs"/>
+      </a:defRPr>
+    </a:lvl7pPr>
+    <a:lvl8pPr marL="3200400" algn="l" defTabSz="914400" rtl="0" eaLnBrk="1" latinLnBrk="1" hangingPunct="1">
+      <a:defRPr sz="1200" kern="1200">
+        <a:solidFill>
+          <a:schemeClr val="tx1"/>
+        </a:solidFill>
+        <a:latin typeface="+mn-lt"/>
+        <a:ea typeface="+mn-ea"/>
+        <a:cs typeface="+mn-cs"/>
+      </a:defRPr>
+    </a:lvl8pPr>
+    <a:lvl9pPr marL="3657600" algn="l" defTabSz="914400" rtl="0" eaLnBrk="1" latinLnBrk="1" hangingPunct="1">
+      <a:defRPr sz="1200" kern="1200">
+        <a:solidFill>
+          <a:schemeClr val="tx1"/>
+        </a:solidFill>
+        <a:latin typeface="+mn-lt"/>
+        <a:ea typeface="+mn-ea"/>
+        <a:cs typeface="+mn-cs"/>
+      </a:defRPr>
+    </a:lvl9pPr>
+  </p:notesStyle>
+</p:notesMaster>
+</file>
+
+<file path=ppt/notesSlides/notesSlide1.xml><?xml version="1.0" encoding="utf-8"?>
+<p:notes xmlns:a="http://schemas.openxmlformats.org/drawingml/2006/main" xmlns:r="http://schemas.openxmlformats.org/officeDocument/2006/relationships" xmlns:p="http://schemas.openxmlformats.org/presentationml/2006/main">
+  <p:cSld>
+    <p:spTree>
+      <p:nvGrpSpPr>
+        <p:cNvPr id="1" name=""/>
+        <p:cNvGrpSpPr/>
+        <p:nvPr/>
+      </p:nvGrpSpPr>
+      <p:grpSpPr>
+        <a:xfrm>
+          <a:off x="0" y="0"/>
+          <a:ext cx="0" cy="0"/>
+          <a:chOff x="0" y="0"/>
+          <a:chExt cx="0" cy="0"/>
+        </a:xfrm>
+      </p:grpSpPr>
+      <p:sp>
+        <p:nvSpPr>
+          <p:cNvPr id="2" name="슬라이드 이미지 개체 틀 1"/>
+          <p:cNvSpPr>
+            <a:spLocks noGrp="1" noRot="1" noChangeAspect="1"/>
+          </p:cNvSpPr>
+          <p:nvPr>
+            <p:ph type="sldImg"/>
+          </p:nvPr>
+        </p:nvSpPr>
+        <p:spPr/>
+      </p:sp>
+      <p:sp>
+        <p:nvSpPr>
+          <p:cNvPr id="3" name="슬라이드 노트 개체 틀 2"/>
+          <p:cNvSpPr>
+            <a:spLocks noGrp="1"/>
+          </p:cNvSpPr>
+          <p:nvPr>
+            <p:ph type="body" idx="1"/>
+          </p:nvPr>
+        </p:nvSpPr>
+        <p:spPr/>
+        <p:txBody>
+          <a:bodyPr/>
+          <a:lstStyle/>
+          <a:p>
+            <a:r>
+              <a:rPr lang="ko-KR" altLang="en-US" dirty="0" smtClean="0"/>
+              <a:t>안녕하십니까</a:t>
+            </a:r>
+            <a:r>
+              <a:rPr lang="en-US" altLang="ko-KR" dirty="0" smtClean="0"/>
+              <a:t>?</a:t>
+            </a:r>
+          </a:p>
+          <a:p>
+            <a:r>
+              <a:rPr lang="ko-KR" altLang="en-US" dirty="0" smtClean="0"/>
+              <a:t>정봉준</a:t>
+            </a:r>
+            <a:r>
+              <a:rPr lang="en-US" altLang="ko-KR" dirty="0" smtClean="0"/>
+              <a:t>, </a:t>
+            </a:r>
+            <a:r>
+              <a:rPr lang="ko-KR" altLang="en-US" dirty="0" smtClean="0"/>
+              <a:t>원상진 팀 객체 추상화 발표를 시작하겠습니다</a:t>
+            </a:r>
+            <a:r>
+              <a:rPr lang="en-US" altLang="ko-KR" dirty="0" smtClean="0"/>
+              <a:t>.</a:t>
+            </a:r>
+          </a:p>
+          <a:p>
+            <a:r>
+              <a:rPr lang="ko-KR" altLang="en-US" dirty="0" smtClean="0"/>
+              <a:t>저희는 반려동물이라는 주제를 가지고 객체 추상화를 시도 해봤습니다</a:t>
+            </a:r>
+            <a:r>
+              <a:rPr lang="en-US" altLang="ko-KR" dirty="0" smtClean="0"/>
+              <a:t>.</a:t>
+            </a:r>
+            <a:endParaRPr lang="ko-KR" altLang="en-US" dirty="0"/>
+          </a:p>
+        </p:txBody>
+      </p:sp>
+      <p:sp>
+        <p:nvSpPr>
+          <p:cNvPr id="4" name="슬라이드 번호 개체 틀 3"/>
+          <p:cNvSpPr>
+            <a:spLocks noGrp="1"/>
+          </p:cNvSpPr>
+          <p:nvPr>
+            <p:ph type="sldNum" sz="quarter" idx="10"/>
+          </p:nvPr>
+        </p:nvSpPr>
+        <p:spPr/>
+        <p:txBody>
+          <a:bodyPr/>
+          <a:lstStyle/>
+          <a:p>
+            <a:fld id="{11024B8E-A0BE-41F8-A2C4-E2F9A7419135}" type="slidenum">
+              <a:rPr lang="ko-KR" altLang="en-US" smtClean="0"/>
+              <a:t>1</a:t>
+            </a:fld>
+            <a:endParaRPr lang="ko-KR" altLang="en-US"/>
+          </a:p>
+        </p:txBody>
+      </p:sp>
+    </p:spTree>
+    <p:extLst>
+      <p:ext uri="{BB962C8B-B14F-4D97-AF65-F5344CB8AC3E}">
+        <p14:creationId xmlns:p14="http://schemas.microsoft.com/office/powerpoint/2010/main" val="636575409"/>
+      </p:ext>
+    </p:extLst>
+  </p:cSld>
+  <p:clrMapOvr>
+    <a:masterClrMapping/>
+  </p:clrMapOvr>
+</p:notes>
+</file>
+
+<file path=ppt/notesSlides/notesSlide10.xml><?xml version="1.0" encoding="utf-8"?>
+<p:notes xmlns:a="http://schemas.openxmlformats.org/drawingml/2006/main" xmlns:r="http://schemas.openxmlformats.org/officeDocument/2006/relationships" xmlns:p="http://schemas.openxmlformats.org/presentationml/2006/main">
+  <p:cSld>
+    <p:spTree>
+      <p:nvGrpSpPr>
+        <p:cNvPr id="1" name=""/>
+        <p:cNvGrpSpPr/>
+        <p:nvPr/>
+      </p:nvGrpSpPr>
+      <p:grpSpPr>
+        <a:xfrm>
+          <a:off x="0" y="0"/>
+          <a:ext cx="0" cy="0"/>
+          <a:chOff x="0" y="0"/>
+          <a:chExt cx="0" cy="0"/>
+        </a:xfrm>
+      </p:grpSpPr>
+      <p:sp>
+        <p:nvSpPr>
+          <p:cNvPr id="2" name="슬라이드 이미지 개체 틀 1"/>
+          <p:cNvSpPr>
+            <a:spLocks noGrp="1" noRot="1" noChangeAspect="1"/>
+          </p:cNvSpPr>
+          <p:nvPr>
+            <p:ph type="sldImg"/>
+          </p:nvPr>
+        </p:nvSpPr>
+        <p:spPr/>
+      </p:sp>
+      <p:sp>
+        <p:nvSpPr>
+          <p:cNvPr id="3" name="슬라이드 노트 개체 틀 2"/>
+          <p:cNvSpPr>
+            <a:spLocks noGrp="1"/>
+          </p:cNvSpPr>
+          <p:nvPr>
+            <p:ph type="body" idx="1"/>
+          </p:nvPr>
+        </p:nvSpPr>
+        <p:spPr/>
+        <p:txBody>
+          <a:bodyPr/>
+          <a:lstStyle/>
+          <a:p>
+            <a:r>
+              <a:rPr lang="ko-KR" altLang="en-US" dirty="0" smtClean="0"/>
+              <a:t>자바스크립트를 웹에서 쓸 때는 단지 하나의 부속품이라는 느낌이 강했는데</a:t>
+            </a:r>
+            <a:r>
+              <a:rPr lang="en-US" altLang="ko-KR" dirty="0" smtClean="0"/>
+              <a:t>,</a:t>
+            </a:r>
+          </a:p>
+          <a:p>
+            <a:r>
+              <a:rPr lang="ko-KR" altLang="en-US" dirty="0" smtClean="0"/>
+              <a:t>막상 언어로서 접근을 해보니 하나의 독립적인 객체 지향 언어라고</a:t>
+            </a:r>
+            <a:r>
+              <a:rPr lang="en-US" altLang="ko-KR" dirty="0" smtClean="0"/>
+              <a:t>, </a:t>
+            </a:r>
+            <a:r>
+              <a:rPr lang="ko-KR" altLang="en-US" dirty="0" smtClean="0"/>
+              <a:t>생각이 바뀌었습니다</a:t>
+            </a:r>
+            <a:r>
+              <a:rPr lang="en-US" altLang="ko-KR" dirty="0" smtClean="0"/>
+              <a:t>.</a:t>
+            </a:r>
+          </a:p>
+          <a:p>
+            <a:endParaRPr lang="en-US" altLang="ko-KR" dirty="0" smtClean="0"/>
+          </a:p>
+          <a:p>
+            <a:r>
+              <a:rPr lang="ko-KR" altLang="en-US" dirty="0" smtClean="0"/>
+              <a:t>자바에 비하면 엄격하지 않은 제한과 자동 객체변환 등의 기능 덕분에 </a:t>
+            </a:r>
+            <a:r>
+              <a:rPr lang="en-US" altLang="ko-KR" dirty="0" smtClean="0"/>
+              <a:t>‘</a:t>
+            </a:r>
+            <a:r>
+              <a:rPr lang="ko-KR" altLang="en-US" dirty="0" smtClean="0"/>
+              <a:t>이게 왜 되지</a:t>
+            </a:r>
+            <a:r>
+              <a:rPr lang="en-US" altLang="ko-KR" dirty="0" smtClean="0"/>
+              <a:t>?’</a:t>
+            </a:r>
+            <a:r>
+              <a:rPr lang="ko-KR" altLang="en-US" dirty="0" smtClean="0"/>
+              <a:t>하는 상황과 </a:t>
+            </a:r>
+            <a:r>
+              <a:rPr lang="en-US" altLang="ko-KR" dirty="0" smtClean="0"/>
+              <a:t>‘</a:t>
+            </a:r>
+            <a:r>
+              <a:rPr lang="ko-KR" altLang="en-US" dirty="0" smtClean="0"/>
+              <a:t>이건 또 왜 안되지</a:t>
+            </a:r>
+            <a:r>
+              <a:rPr lang="en-US" altLang="ko-KR" dirty="0" smtClean="0"/>
+              <a:t>?’</a:t>
+            </a:r>
+            <a:r>
+              <a:rPr lang="ko-KR" altLang="en-US" dirty="0" smtClean="0"/>
+              <a:t>하는 상황이 많았습니다</a:t>
+            </a:r>
+            <a:r>
+              <a:rPr lang="en-US" altLang="ko-KR" dirty="0" smtClean="0"/>
+              <a:t>.</a:t>
+            </a:r>
+          </a:p>
+          <a:p>
+            <a:r>
+              <a:rPr lang="ko-KR" altLang="en-US" dirty="0" smtClean="0"/>
+              <a:t>정확히 알질 못하니까 오류 수정이나 실행 과정 추적 등이 너무 힘들었습니다</a:t>
+            </a:r>
+            <a:r>
+              <a:rPr lang="en-US" altLang="ko-KR" dirty="0" smtClean="0"/>
+              <a:t>.</a:t>
+            </a:r>
+          </a:p>
+          <a:p>
+            <a:r>
+              <a:rPr lang="ko-KR" altLang="en-US" dirty="0" smtClean="0"/>
+              <a:t>자바스크립트가 생각보다 언어로서 깊이가 있는 만큼 공부를 좀더 해야겠다는 생각이 들었습니다</a:t>
+            </a:r>
+            <a:endParaRPr lang="en-US" altLang="ko-KR" dirty="0" smtClean="0"/>
+          </a:p>
+        </p:txBody>
+      </p:sp>
+      <p:sp>
+        <p:nvSpPr>
+          <p:cNvPr id="4" name="슬라이드 번호 개체 틀 3"/>
+          <p:cNvSpPr>
+            <a:spLocks noGrp="1"/>
+          </p:cNvSpPr>
+          <p:nvPr>
+            <p:ph type="sldNum" sz="quarter" idx="10"/>
+          </p:nvPr>
+        </p:nvSpPr>
+        <p:spPr/>
+        <p:txBody>
+          <a:bodyPr/>
+          <a:lstStyle/>
+          <a:p>
+            <a:fld id="{11024B8E-A0BE-41F8-A2C4-E2F9A7419135}" type="slidenum">
+              <a:rPr lang="ko-KR" altLang="en-US" smtClean="0"/>
+              <a:t>10</a:t>
+            </a:fld>
+            <a:endParaRPr lang="ko-KR" altLang="en-US"/>
+          </a:p>
+        </p:txBody>
+      </p:sp>
+    </p:spTree>
+    <p:extLst>
+      <p:ext uri="{BB962C8B-B14F-4D97-AF65-F5344CB8AC3E}">
+        <p14:creationId xmlns:p14="http://schemas.microsoft.com/office/powerpoint/2010/main" val="463512211"/>
+      </p:ext>
+    </p:extLst>
+  </p:cSld>
+  <p:clrMapOvr>
+    <a:masterClrMapping/>
+  </p:clrMapOvr>
+</p:notes>
+</file>
+
+<file path=ppt/notesSlides/notesSlide11.xml><?xml version="1.0" encoding="utf-8"?>
+<p:notes xmlns:a="http://schemas.openxmlformats.org/drawingml/2006/main" xmlns:r="http://schemas.openxmlformats.org/officeDocument/2006/relationships" xmlns:p="http://schemas.openxmlformats.org/presentationml/2006/main">
+  <p:cSld>
+    <p:spTree>
+      <p:nvGrpSpPr>
+        <p:cNvPr id="1" name=""/>
+        <p:cNvGrpSpPr/>
+        <p:nvPr/>
+      </p:nvGrpSpPr>
+      <p:grpSpPr>
+        <a:xfrm>
+          <a:off x="0" y="0"/>
+          <a:ext cx="0" cy="0"/>
+          <a:chOff x="0" y="0"/>
+          <a:chExt cx="0" cy="0"/>
+        </a:xfrm>
+      </p:grpSpPr>
+      <p:sp>
+        <p:nvSpPr>
+          <p:cNvPr id="2" name="슬라이드 이미지 개체 틀 1"/>
+          <p:cNvSpPr>
+            <a:spLocks noGrp="1" noRot="1" noChangeAspect="1"/>
+          </p:cNvSpPr>
+          <p:nvPr>
+            <p:ph type="sldImg"/>
+          </p:nvPr>
+        </p:nvSpPr>
+        <p:spPr/>
+      </p:sp>
+      <p:sp>
+        <p:nvSpPr>
+          <p:cNvPr id="3" name="슬라이드 노트 개체 틀 2"/>
+          <p:cNvSpPr>
+            <a:spLocks noGrp="1"/>
+          </p:cNvSpPr>
+          <p:nvPr>
+            <p:ph type="body" idx="1"/>
+          </p:nvPr>
+        </p:nvSpPr>
+        <p:spPr/>
+        <p:txBody>
+          <a:bodyPr/>
+          <a:lstStyle/>
+          <a:p>
+            <a:endParaRPr lang="ko-KR" altLang="en-US" dirty="0"/>
+          </a:p>
+        </p:txBody>
+      </p:sp>
+      <p:sp>
+        <p:nvSpPr>
+          <p:cNvPr id="4" name="슬라이드 번호 개체 틀 3"/>
+          <p:cNvSpPr>
+            <a:spLocks noGrp="1"/>
+          </p:cNvSpPr>
+          <p:nvPr>
+            <p:ph type="sldNum" sz="quarter" idx="10"/>
+          </p:nvPr>
+        </p:nvSpPr>
+        <p:spPr/>
+        <p:txBody>
+          <a:bodyPr/>
+          <a:lstStyle/>
+          <a:p>
+            <a:fld id="{11024B8E-A0BE-41F8-A2C4-E2F9A7419135}" type="slidenum">
+              <a:rPr lang="ko-KR" altLang="en-US" smtClean="0"/>
+              <a:t>11</a:t>
+            </a:fld>
+            <a:endParaRPr lang="ko-KR" altLang="en-US"/>
+          </a:p>
+        </p:txBody>
+      </p:sp>
+    </p:spTree>
+    <p:extLst>
+      <p:ext uri="{BB962C8B-B14F-4D97-AF65-F5344CB8AC3E}">
+        <p14:creationId xmlns:p14="http://schemas.microsoft.com/office/powerpoint/2010/main" val="951705669"/>
+      </p:ext>
+    </p:extLst>
+  </p:cSld>
+  <p:clrMapOvr>
+    <a:masterClrMapping/>
+  </p:clrMapOvr>
+</p:notes>
+</file>
+
+<file path=ppt/notesSlides/notesSlide2.xml><?xml version="1.0" encoding="utf-8"?>
+<p:notes xmlns:a="http://schemas.openxmlformats.org/drawingml/2006/main" xmlns:r="http://schemas.openxmlformats.org/officeDocument/2006/relationships" xmlns:p="http://schemas.openxmlformats.org/presentationml/2006/main">
+  <p:cSld>
+    <p:spTree>
+      <p:nvGrpSpPr>
+        <p:cNvPr id="1" name=""/>
+        <p:cNvGrpSpPr/>
+        <p:nvPr/>
+      </p:nvGrpSpPr>
+      <p:grpSpPr>
+        <a:xfrm>
+          <a:off x="0" y="0"/>
+          <a:ext cx="0" cy="0"/>
+          <a:chOff x="0" y="0"/>
+          <a:chExt cx="0" cy="0"/>
+        </a:xfrm>
+      </p:grpSpPr>
+      <p:sp>
+        <p:nvSpPr>
+          <p:cNvPr id="2" name="슬라이드 이미지 개체 틀 1"/>
+          <p:cNvSpPr>
+            <a:spLocks noGrp="1" noRot="1" noChangeAspect="1"/>
+          </p:cNvSpPr>
+          <p:nvPr>
+            <p:ph type="sldImg"/>
+          </p:nvPr>
+        </p:nvSpPr>
+        <p:spPr/>
+      </p:sp>
+      <p:sp>
+        <p:nvSpPr>
+          <p:cNvPr id="3" name="슬라이드 노트 개체 틀 2"/>
+          <p:cNvSpPr>
+            <a:spLocks noGrp="1"/>
+          </p:cNvSpPr>
+          <p:nvPr>
+            <p:ph type="body" idx="1"/>
+          </p:nvPr>
+        </p:nvSpPr>
+        <p:spPr/>
+        <p:txBody>
+          <a:bodyPr/>
+          <a:lstStyle/>
+          <a:p>
+            <a:r>
+              <a:rPr lang="ko-KR" altLang="en-US" dirty="0" smtClean="0"/>
+              <a:t>발표 순서는 보시는 것처럼 </a:t>
+            </a:r>
+            <a:r>
+              <a:rPr lang="en-US" altLang="ko-KR" dirty="0" smtClean="0"/>
+              <a:t>(</a:t>
+            </a:r>
+            <a:r>
+              <a:rPr lang="ko-KR" altLang="en-US" dirty="0" smtClean="0"/>
+              <a:t>위에서 아래 제스처</a:t>
+            </a:r>
+            <a:r>
+              <a:rPr lang="en-US" altLang="ko-KR" dirty="0" smtClean="0"/>
+              <a:t>) </a:t>
+            </a:r>
+            <a:r>
+              <a:rPr lang="ko-KR" altLang="en-US" dirty="0" smtClean="0"/>
+              <a:t>진행됩니다</a:t>
+            </a:r>
+            <a:r>
+              <a:rPr lang="en-US" altLang="ko-KR" dirty="0" smtClean="0"/>
+              <a:t>.</a:t>
+            </a:r>
+            <a:endParaRPr lang="ko-KR" altLang="en-US" dirty="0"/>
+          </a:p>
+        </p:txBody>
+      </p:sp>
+      <p:sp>
+        <p:nvSpPr>
+          <p:cNvPr id="4" name="슬라이드 번호 개체 틀 3"/>
+          <p:cNvSpPr>
+            <a:spLocks noGrp="1"/>
+          </p:cNvSpPr>
+          <p:nvPr>
+            <p:ph type="sldNum" sz="quarter" idx="10"/>
+          </p:nvPr>
+        </p:nvSpPr>
+        <p:spPr/>
+        <p:txBody>
+          <a:bodyPr/>
+          <a:lstStyle/>
+          <a:p>
+            <a:fld id="{11024B8E-A0BE-41F8-A2C4-E2F9A7419135}" type="slidenum">
+              <a:rPr lang="ko-KR" altLang="en-US" smtClean="0"/>
+              <a:t>2</a:t>
+            </a:fld>
+            <a:endParaRPr lang="ko-KR" altLang="en-US"/>
+          </a:p>
+        </p:txBody>
+      </p:sp>
+    </p:spTree>
+    <p:extLst>
+      <p:ext uri="{BB962C8B-B14F-4D97-AF65-F5344CB8AC3E}">
+        <p14:creationId xmlns:p14="http://schemas.microsoft.com/office/powerpoint/2010/main" val="3778880142"/>
+      </p:ext>
+    </p:extLst>
+  </p:cSld>
+  <p:clrMapOvr>
+    <a:masterClrMapping/>
+  </p:clrMapOvr>
+</p:notes>
+</file>
+
+<file path=ppt/notesSlides/notesSlide3.xml><?xml version="1.0" encoding="utf-8"?>
+<p:notes xmlns:a="http://schemas.openxmlformats.org/drawingml/2006/main" xmlns:r="http://schemas.openxmlformats.org/officeDocument/2006/relationships" xmlns:p="http://schemas.openxmlformats.org/presentationml/2006/main">
+  <p:cSld>
+    <p:spTree>
+      <p:nvGrpSpPr>
+        <p:cNvPr id="1" name=""/>
+        <p:cNvGrpSpPr/>
+        <p:nvPr/>
+      </p:nvGrpSpPr>
+      <p:grpSpPr>
+        <a:xfrm>
+          <a:off x="0" y="0"/>
+          <a:ext cx="0" cy="0"/>
+          <a:chOff x="0" y="0"/>
+          <a:chExt cx="0" cy="0"/>
+        </a:xfrm>
+      </p:grpSpPr>
+      <p:sp>
+        <p:nvSpPr>
+          <p:cNvPr id="2" name="슬라이드 이미지 개체 틀 1"/>
+          <p:cNvSpPr>
+            <a:spLocks noGrp="1" noRot="1" noChangeAspect="1"/>
+          </p:cNvSpPr>
+          <p:nvPr>
+            <p:ph type="sldImg"/>
+          </p:nvPr>
+        </p:nvSpPr>
+        <p:spPr/>
+      </p:sp>
+      <p:sp>
+        <p:nvSpPr>
+          <p:cNvPr id="3" name="슬라이드 노트 개체 틀 2"/>
+          <p:cNvSpPr>
+            <a:spLocks noGrp="1"/>
+          </p:cNvSpPr>
+          <p:nvPr>
+            <p:ph type="body" idx="1"/>
+          </p:nvPr>
+        </p:nvSpPr>
+        <p:spPr/>
+        <p:txBody>
+          <a:bodyPr/>
+          <a:lstStyle/>
+          <a:p>
+            <a:r>
+              <a:rPr lang="ko-KR" altLang="en-US" dirty="0" smtClean="0"/>
+              <a:t>다음과 같이 업무 분담이 이루어졌습니다</a:t>
+            </a:r>
+            <a:r>
+              <a:rPr lang="en-US" altLang="ko-KR" dirty="0" smtClean="0"/>
+              <a:t>.</a:t>
+            </a:r>
+          </a:p>
+          <a:p>
+            <a:r>
+              <a:rPr lang="ko-KR" altLang="en-US" dirty="0" smtClean="0"/>
+              <a:t>추진력이 좋은 상진씨가 기획과 설계를 담당했고</a:t>
+            </a:r>
+            <a:r>
+              <a:rPr lang="en-US" altLang="ko-KR" dirty="0" smtClean="0"/>
+              <a:t>, </a:t>
+            </a:r>
+            <a:r>
+              <a:rPr lang="ko-KR" altLang="en-US" dirty="0" smtClean="0"/>
+              <a:t>그 결과를 토대로 서로 비슷한 주제를 각자의 스타일에 따라 코딩을 했습니다</a:t>
+            </a:r>
+            <a:r>
+              <a:rPr lang="en-US" altLang="ko-KR" dirty="0" smtClean="0"/>
+              <a:t>.</a:t>
+            </a:r>
+          </a:p>
+          <a:p>
+            <a:r>
+              <a:rPr lang="ko-KR" altLang="en-US" dirty="0" smtClean="0"/>
+              <a:t>한편으로는 </a:t>
+            </a:r>
+            <a:r>
+              <a:rPr lang="en-US" altLang="ko-KR" dirty="0" err="1" smtClean="0"/>
+              <a:t>git</a:t>
+            </a:r>
+            <a:r>
+              <a:rPr lang="ko-KR" altLang="en-US" dirty="0" smtClean="0"/>
+              <a:t>의 </a:t>
+            </a:r>
+            <a:r>
+              <a:rPr lang="en-US" altLang="ko-KR" dirty="0" smtClean="0"/>
+              <a:t>checkout</a:t>
+            </a:r>
+            <a:r>
+              <a:rPr lang="ko-KR" altLang="en-US" dirty="0" smtClean="0"/>
+              <a:t>기능을 이용해서 서로의 소스를 참고해가며 작업을 할 수 있었습니다</a:t>
+            </a:r>
+            <a:r>
+              <a:rPr lang="en-US" altLang="ko-KR" dirty="0" smtClean="0"/>
+              <a:t>.</a:t>
+            </a:r>
+          </a:p>
+          <a:p>
+            <a:endParaRPr lang="en-US" altLang="ko-KR" dirty="0" smtClean="0"/>
+          </a:p>
+        </p:txBody>
+      </p:sp>
+      <p:sp>
+        <p:nvSpPr>
+          <p:cNvPr id="4" name="슬라이드 번호 개체 틀 3"/>
+          <p:cNvSpPr>
+            <a:spLocks noGrp="1"/>
+          </p:cNvSpPr>
+          <p:nvPr>
+            <p:ph type="sldNum" sz="quarter" idx="10"/>
+          </p:nvPr>
+        </p:nvSpPr>
+        <p:spPr/>
+        <p:txBody>
+          <a:bodyPr/>
+          <a:lstStyle/>
+          <a:p>
+            <a:fld id="{11024B8E-A0BE-41F8-A2C4-E2F9A7419135}" type="slidenum">
+              <a:rPr lang="ko-KR" altLang="en-US" smtClean="0"/>
+              <a:t>3</a:t>
+            </a:fld>
+            <a:endParaRPr lang="ko-KR" altLang="en-US"/>
+          </a:p>
+        </p:txBody>
+      </p:sp>
+    </p:spTree>
+    <p:extLst>
+      <p:ext uri="{BB962C8B-B14F-4D97-AF65-F5344CB8AC3E}">
+        <p14:creationId xmlns:p14="http://schemas.microsoft.com/office/powerpoint/2010/main" val="1945112185"/>
+      </p:ext>
+    </p:extLst>
+  </p:cSld>
+  <p:clrMapOvr>
+    <a:masterClrMapping/>
+  </p:clrMapOvr>
+</p:notes>
+</file>
+
+<file path=ppt/notesSlides/notesSlide4.xml><?xml version="1.0" encoding="utf-8"?>
+<p:notes xmlns:a="http://schemas.openxmlformats.org/drawingml/2006/main" xmlns:r="http://schemas.openxmlformats.org/officeDocument/2006/relationships" xmlns:p="http://schemas.openxmlformats.org/presentationml/2006/main">
+  <p:cSld>
+    <p:spTree>
+      <p:nvGrpSpPr>
+        <p:cNvPr id="1" name=""/>
+        <p:cNvGrpSpPr/>
+        <p:nvPr/>
+      </p:nvGrpSpPr>
+      <p:grpSpPr>
+        <a:xfrm>
+          <a:off x="0" y="0"/>
+          <a:ext cx="0" cy="0"/>
+          <a:chOff x="0" y="0"/>
+          <a:chExt cx="0" cy="0"/>
+        </a:xfrm>
+      </p:grpSpPr>
+      <p:sp>
+        <p:nvSpPr>
+          <p:cNvPr id="2" name="슬라이드 이미지 개체 틀 1"/>
+          <p:cNvSpPr>
+            <a:spLocks noGrp="1" noRot="1" noChangeAspect="1"/>
+          </p:cNvSpPr>
+          <p:nvPr>
+            <p:ph type="sldImg"/>
+          </p:nvPr>
+        </p:nvSpPr>
+        <p:spPr/>
+      </p:sp>
+      <p:sp>
+        <p:nvSpPr>
+          <p:cNvPr id="3" name="슬라이드 노트 개체 틀 2"/>
+          <p:cNvSpPr>
+            <a:spLocks noGrp="1"/>
+          </p:cNvSpPr>
+          <p:nvPr>
+            <p:ph type="body" idx="1"/>
+          </p:nvPr>
+        </p:nvSpPr>
+        <p:spPr/>
+        <p:txBody>
+          <a:bodyPr/>
+          <a:lstStyle/>
+          <a:p>
+            <a:r>
+              <a:rPr lang="ko-KR" altLang="en-US" dirty="0" smtClean="0"/>
+              <a:t>프로젝트 구성은 반려동물이라는 큰 틀 안에서 포유류와 조류라는 두 가지 분류로 세분화 시켰습니다</a:t>
+            </a:r>
+            <a:r>
+              <a:rPr lang="en-US" altLang="ko-KR" dirty="0" smtClean="0"/>
+              <a:t>.</a:t>
+            </a:r>
+          </a:p>
+          <a:p>
+            <a:r>
+              <a:rPr lang="ko-KR" altLang="en-US" dirty="0" smtClean="0"/>
+              <a:t>저는 개와 고양이</a:t>
+            </a:r>
+            <a:r>
+              <a:rPr lang="ko-KR" altLang="en-US" baseline="0" dirty="0" smtClean="0"/>
+              <a:t> 등이 속한</a:t>
+            </a:r>
+            <a:r>
+              <a:rPr lang="ko-KR" altLang="en-US" dirty="0" smtClean="0"/>
+              <a:t> 포유류를 맡았고</a:t>
+            </a:r>
+            <a:r>
+              <a:rPr lang="en-US" altLang="ko-KR" dirty="0" smtClean="0"/>
+              <a:t>, </a:t>
+            </a:r>
+            <a:r>
+              <a:rPr lang="ko-KR" altLang="en-US" dirty="0" smtClean="0"/>
+              <a:t>상진씨는 앵무새와 닭 등이 속한 조류를 맡아서 객체 추상화를 시도해봤습니다</a:t>
+            </a:r>
+            <a:r>
+              <a:rPr lang="en-US" altLang="ko-KR" dirty="0" smtClean="0"/>
+              <a:t>.</a:t>
+            </a:r>
+          </a:p>
+          <a:p>
+            <a:r>
+              <a:rPr lang="ko-KR" altLang="en-US" dirty="0" smtClean="0"/>
+              <a:t>대신 동물</a:t>
+            </a:r>
+            <a:r>
+              <a:rPr lang="ko-KR" altLang="en-US" baseline="0" dirty="0" smtClean="0"/>
+              <a:t> 전체를 </a:t>
+            </a:r>
+            <a:r>
+              <a:rPr lang="ko-KR" altLang="en-US" dirty="0" smtClean="0"/>
+              <a:t>범위로 잡기에는 속성이나 기능 등의 범위가 너무 넓은 것 같아서 범위를 축소하기 위해 반려동물이라는 제약을 걸고 그 기준에 맞춰서 속성과 기능을 나눴습니다</a:t>
+            </a:r>
+            <a:r>
+              <a:rPr lang="en-US" altLang="ko-KR" dirty="0" smtClean="0"/>
+              <a:t>.</a:t>
+            </a:r>
+          </a:p>
+        </p:txBody>
+      </p:sp>
+      <p:sp>
+        <p:nvSpPr>
+          <p:cNvPr id="4" name="슬라이드 번호 개체 틀 3"/>
+          <p:cNvSpPr>
+            <a:spLocks noGrp="1"/>
+          </p:cNvSpPr>
+          <p:nvPr>
+            <p:ph type="sldNum" sz="quarter" idx="10"/>
+          </p:nvPr>
+        </p:nvSpPr>
+        <p:spPr/>
+        <p:txBody>
+          <a:bodyPr/>
+          <a:lstStyle/>
+          <a:p>
+            <a:fld id="{11024B8E-A0BE-41F8-A2C4-E2F9A7419135}" type="slidenum">
+              <a:rPr lang="ko-KR" altLang="en-US" smtClean="0"/>
+              <a:t>4</a:t>
+            </a:fld>
+            <a:endParaRPr lang="ko-KR" altLang="en-US"/>
+          </a:p>
+        </p:txBody>
+      </p:sp>
+    </p:spTree>
+    <p:extLst>
+      <p:ext uri="{BB962C8B-B14F-4D97-AF65-F5344CB8AC3E}">
+        <p14:creationId xmlns:p14="http://schemas.microsoft.com/office/powerpoint/2010/main" val="1558695031"/>
+      </p:ext>
+    </p:extLst>
+  </p:cSld>
+  <p:clrMapOvr>
+    <a:masterClrMapping/>
+  </p:clrMapOvr>
+</p:notes>
+</file>
+
+<file path=ppt/notesSlides/notesSlide5.xml><?xml version="1.0" encoding="utf-8"?>
+<p:notes xmlns:a="http://schemas.openxmlformats.org/drawingml/2006/main" xmlns:r="http://schemas.openxmlformats.org/officeDocument/2006/relationships" xmlns:p="http://schemas.openxmlformats.org/presentationml/2006/main">
+  <p:cSld>
+    <p:spTree>
+      <p:nvGrpSpPr>
+        <p:cNvPr id="1" name=""/>
+        <p:cNvGrpSpPr/>
+        <p:nvPr/>
+      </p:nvGrpSpPr>
+      <p:grpSpPr>
+        <a:xfrm>
+          <a:off x="0" y="0"/>
+          <a:ext cx="0" cy="0"/>
+          <a:chOff x="0" y="0"/>
+          <a:chExt cx="0" cy="0"/>
+        </a:xfrm>
+      </p:grpSpPr>
+      <p:sp>
+        <p:nvSpPr>
+          <p:cNvPr id="2" name="슬라이드 이미지 개체 틀 1"/>
+          <p:cNvSpPr>
+            <a:spLocks noGrp="1" noRot="1" noChangeAspect="1"/>
+          </p:cNvSpPr>
+          <p:nvPr>
+            <p:ph type="sldImg"/>
+          </p:nvPr>
+        </p:nvSpPr>
+        <p:spPr/>
+      </p:sp>
+      <p:sp>
+        <p:nvSpPr>
+          <p:cNvPr id="3" name="슬라이드 노트 개체 틀 2"/>
+          <p:cNvSpPr>
+            <a:spLocks noGrp="1"/>
+          </p:cNvSpPr>
+          <p:nvPr>
+            <p:ph type="body" idx="1"/>
+          </p:nvPr>
+        </p:nvSpPr>
+        <p:spPr/>
+        <p:txBody>
+          <a:bodyPr/>
+          <a:lstStyle/>
+          <a:p>
+            <a:r>
+              <a:rPr lang="en-US" altLang="ko-KR" dirty="0" smtClean="0"/>
+              <a:t>new</a:t>
+            </a:r>
+            <a:r>
+              <a:rPr lang="en-US" altLang="ko-KR" baseline="0" dirty="0" smtClean="0"/>
+              <a:t> </a:t>
+            </a:r>
+            <a:r>
+              <a:rPr lang="ko-KR" altLang="en-US" baseline="0" dirty="0" smtClean="0"/>
+              <a:t>연산자를 통해 각각 </a:t>
+            </a:r>
+            <a:r>
+              <a:rPr lang="en-US" altLang="ko-KR" baseline="0" dirty="0" smtClean="0"/>
+              <a:t>3</a:t>
+            </a:r>
+            <a:r>
+              <a:rPr lang="ko-KR" altLang="en-US" baseline="0" dirty="0" smtClean="0"/>
+              <a:t>개의 </a:t>
+            </a:r>
+            <a:r>
+              <a:rPr lang="en-US" altLang="ko-KR" baseline="0" dirty="0" smtClean="0"/>
+              <a:t>cat</a:t>
+            </a:r>
+            <a:r>
+              <a:rPr lang="ko-KR" altLang="en-US" baseline="0" dirty="0" smtClean="0"/>
+              <a:t> 객체와 </a:t>
+            </a:r>
+            <a:r>
+              <a:rPr lang="en-US" altLang="ko-KR" baseline="0" dirty="0" smtClean="0"/>
+              <a:t>dog </a:t>
+            </a:r>
+            <a:r>
+              <a:rPr lang="ko-KR" altLang="en-US" baseline="0" dirty="0" smtClean="0"/>
+              <a:t>객체를 생성했습니다</a:t>
+            </a:r>
+            <a:r>
+              <a:rPr lang="en-US" altLang="ko-KR" baseline="0" dirty="0" smtClean="0"/>
+              <a:t>.</a:t>
+            </a:r>
+          </a:p>
+          <a:p>
+            <a:r>
+              <a:rPr lang="ko-KR" altLang="en-US" baseline="0" dirty="0" smtClean="0"/>
+              <a:t>그 후 </a:t>
+            </a:r>
+            <a:r>
+              <a:rPr lang="en-US" altLang="ko-KR" baseline="0" dirty="0" smtClean="0"/>
+              <a:t>cats </a:t>
+            </a:r>
+            <a:r>
+              <a:rPr lang="ko-KR" altLang="en-US" baseline="0" dirty="0" smtClean="0"/>
+              <a:t>배열에 </a:t>
+            </a:r>
+            <a:r>
+              <a:rPr lang="en-US" altLang="ko-KR" baseline="0" dirty="0" smtClean="0"/>
+              <a:t>push</a:t>
+            </a:r>
+            <a:r>
+              <a:rPr lang="ko-KR" altLang="en-US" baseline="0" dirty="0" smtClean="0"/>
+              <a:t>하고 </a:t>
+            </a:r>
+            <a:r>
+              <a:rPr lang="en-US" altLang="ko-KR" baseline="0" dirty="0" err="1" smtClean="0"/>
+              <a:t>forEach</a:t>
+            </a:r>
+            <a:r>
+              <a:rPr lang="ko-KR" altLang="en-US" baseline="0" dirty="0" smtClean="0"/>
+              <a:t>문을 통해서 출력을 했습니다</a:t>
+            </a:r>
+            <a:r>
+              <a:rPr lang="en-US" altLang="ko-KR" baseline="0" dirty="0" smtClean="0"/>
+              <a:t>.</a:t>
+            </a:r>
+          </a:p>
+          <a:p>
+            <a:r>
+              <a:rPr lang="ko-KR" altLang="en-US" baseline="0" dirty="0" smtClean="0"/>
+              <a:t>그 결과 </a:t>
+            </a:r>
+            <a:r>
+              <a:rPr lang="en-US" altLang="ko-KR" baseline="0" dirty="0" smtClean="0"/>
+              <a:t>console.log() </a:t>
+            </a:r>
+            <a:r>
+              <a:rPr lang="ko-KR" altLang="en-US" baseline="0" dirty="0" err="1" smtClean="0"/>
+              <a:t>메서드</a:t>
+            </a:r>
+            <a:r>
+              <a:rPr lang="ko-KR" altLang="en-US" baseline="0" dirty="0" smtClean="0"/>
+              <a:t> 에서는 호출되지 않았던 재정의한 </a:t>
+            </a:r>
+            <a:r>
+              <a:rPr lang="en-US" altLang="ko-KR" baseline="0" dirty="0" err="1" smtClean="0"/>
+              <a:t>toString</a:t>
+            </a:r>
+            <a:r>
+              <a:rPr lang="en-US" altLang="ko-KR" baseline="0" dirty="0" smtClean="0"/>
+              <a:t>() </a:t>
+            </a:r>
+            <a:r>
+              <a:rPr lang="ko-KR" altLang="en-US" baseline="0" dirty="0" err="1" smtClean="0"/>
+              <a:t>메서드가</a:t>
+            </a:r>
+            <a:r>
+              <a:rPr lang="ko-KR" altLang="en-US" baseline="0" dirty="0" smtClean="0"/>
+              <a:t> 호출되어 표시되었습니다</a:t>
+            </a:r>
+            <a:r>
+              <a:rPr lang="en-US" altLang="ko-KR" baseline="0" dirty="0" smtClean="0"/>
+              <a:t>.</a:t>
+            </a:r>
+          </a:p>
+          <a:p>
+            <a:r>
+              <a:rPr lang="ko-KR" altLang="en-US" dirty="0" smtClean="0"/>
+              <a:t>출력 전 </a:t>
+            </a:r>
+            <a:r>
+              <a:rPr lang="en-US" altLang="ko-KR" dirty="0" smtClean="0"/>
+              <a:t>sort()</a:t>
+            </a:r>
+            <a:r>
+              <a:rPr lang="ko-KR" altLang="en-US" dirty="0" smtClean="0"/>
+              <a:t>를 통해 고양이 나이의 오름차순</a:t>
+            </a:r>
+            <a:r>
+              <a:rPr lang="en-US" altLang="ko-KR" dirty="0" smtClean="0"/>
+              <a:t>, </a:t>
+            </a:r>
+            <a:r>
+              <a:rPr lang="ko-KR" altLang="en-US" dirty="0" smtClean="0"/>
+              <a:t>강아지 건강의 내림차순으로 정렬을 해줬습니다</a:t>
+            </a:r>
+            <a:r>
+              <a:rPr lang="en-US" altLang="ko-KR" dirty="0" smtClean="0"/>
+              <a:t>.</a:t>
+            </a:r>
+          </a:p>
+          <a:p>
+            <a:r>
+              <a:rPr lang="ko-KR" altLang="en-US" dirty="0" smtClean="0"/>
+              <a:t>각자 같은 부모가 가진 포유류의 </a:t>
+            </a:r>
+            <a:r>
+              <a:rPr lang="ko-KR" altLang="en-US" dirty="0" err="1" smtClean="0"/>
+              <a:t>메서드</a:t>
+            </a:r>
+            <a:r>
+              <a:rPr lang="ko-KR" altLang="en-US" dirty="0" smtClean="0"/>
+              <a:t> 이름으로 실행을 했지만 그 결과는 각자 재정의한 내용으로 실행되는 것을 볼 수 있습니다</a:t>
+            </a:r>
+            <a:r>
+              <a:rPr lang="en-US" altLang="ko-KR" dirty="0" smtClean="0"/>
+              <a:t>.</a:t>
+            </a:r>
+            <a:endParaRPr lang="ko-KR" altLang="en-US" dirty="0"/>
+          </a:p>
+        </p:txBody>
+      </p:sp>
+      <p:sp>
+        <p:nvSpPr>
+          <p:cNvPr id="4" name="슬라이드 번호 개체 틀 3"/>
+          <p:cNvSpPr>
+            <a:spLocks noGrp="1"/>
+          </p:cNvSpPr>
+          <p:nvPr>
+            <p:ph type="sldNum" sz="quarter" idx="10"/>
+          </p:nvPr>
+        </p:nvSpPr>
+        <p:spPr/>
+        <p:txBody>
+          <a:bodyPr/>
+          <a:lstStyle/>
+          <a:p>
+            <a:fld id="{11024B8E-A0BE-41F8-A2C4-E2F9A7419135}" type="slidenum">
+              <a:rPr lang="ko-KR" altLang="en-US" smtClean="0"/>
+              <a:t>5</a:t>
+            </a:fld>
+            <a:endParaRPr lang="ko-KR" altLang="en-US"/>
+          </a:p>
+        </p:txBody>
+      </p:sp>
+    </p:spTree>
+    <p:extLst>
+      <p:ext uri="{BB962C8B-B14F-4D97-AF65-F5344CB8AC3E}">
+        <p14:creationId xmlns:p14="http://schemas.microsoft.com/office/powerpoint/2010/main" val="2700516261"/>
+      </p:ext>
+    </p:extLst>
+  </p:cSld>
+  <p:clrMapOvr>
+    <a:masterClrMapping/>
+  </p:clrMapOvr>
+</p:notes>
+</file>
+
+<file path=ppt/notesSlides/notesSlide6.xml><?xml version="1.0" encoding="utf-8"?>
+<p:notes xmlns:a="http://schemas.openxmlformats.org/drawingml/2006/main" xmlns:r="http://schemas.openxmlformats.org/officeDocument/2006/relationships" xmlns:p="http://schemas.openxmlformats.org/presentationml/2006/main">
+  <p:cSld>
+    <p:spTree>
+      <p:nvGrpSpPr>
+        <p:cNvPr id="1" name=""/>
+        <p:cNvGrpSpPr/>
+        <p:nvPr/>
+      </p:nvGrpSpPr>
+      <p:grpSpPr>
+        <a:xfrm>
+          <a:off x="0" y="0"/>
+          <a:ext cx="0" cy="0"/>
+          <a:chOff x="0" y="0"/>
+          <a:chExt cx="0" cy="0"/>
+        </a:xfrm>
+      </p:grpSpPr>
+      <p:sp>
+        <p:nvSpPr>
+          <p:cNvPr id="2" name="슬라이드 이미지 개체 틀 1"/>
+          <p:cNvSpPr>
+            <a:spLocks noGrp="1" noRot="1" noChangeAspect="1"/>
+          </p:cNvSpPr>
+          <p:nvPr>
+            <p:ph type="sldImg"/>
+          </p:nvPr>
+        </p:nvSpPr>
+        <p:spPr/>
+      </p:sp>
+      <p:sp>
+        <p:nvSpPr>
+          <p:cNvPr id="3" name="슬라이드 노트 개체 틀 2"/>
+          <p:cNvSpPr>
+            <a:spLocks noGrp="1"/>
+          </p:cNvSpPr>
+          <p:nvPr>
+            <p:ph type="body" idx="1"/>
+          </p:nvPr>
+        </p:nvSpPr>
+        <p:spPr/>
+        <p:txBody>
+          <a:bodyPr/>
+          <a:lstStyle/>
+          <a:p>
+            <a:r>
+              <a:rPr lang="ko-KR" altLang="en-US" dirty="0" smtClean="0"/>
+              <a:t>이 경우도 마찬가지로 각자 </a:t>
+            </a:r>
+            <a:r>
+              <a:rPr lang="en-US" altLang="ko-KR" dirty="0" smtClean="0"/>
+              <a:t>3</a:t>
+            </a:r>
+            <a:r>
+              <a:rPr lang="ko-KR" altLang="en-US" dirty="0" smtClean="0"/>
+              <a:t>개의 앵무새 객체와 닭 객체를 생성하였습니다</a:t>
+            </a:r>
+            <a:r>
+              <a:rPr lang="en-US" altLang="ko-KR" dirty="0" smtClean="0"/>
+              <a:t>.</a:t>
+            </a:r>
+          </a:p>
+          <a:p>
+            <a:r>
+              <a:rPr lang="ko-KR" altLang="en-US" dirty="0" smtClean="0"/>
+              <a:t>최초 생성시 같은 배고픔 상태를 지정해줬는데</a:t>
+            </a:r>
+            <a:r>
+              <a:rPr lang="en-US" altLang="ko-KR" dirty="0" smtClean="0"/>
+              <a:t>, </a:t>
+            </a:r>
+            <a:r>
+              <a:rPr lang="ko-KR" altLang="en-US" dirty="0" err="1" smtClean="0"/>
+              <a:t>메서드를</a:t>
+            </a:r>
+            <a:r>
+              <a:rPr lang="ko-KR" altLang="en-US" dirty="0" smtClean="0"/>
+              <a:t> 통해 어떤 행동을 취한 이후에는 그 값이 변경된 것을 볼 수 있습니다</a:t>
+            </a:r>
+            <a:r>
+              <a:rPr lang="en-US" altLang="ko-KR" dirty="0" smtClean="0"/>
+              <a:t>.</a:t>
+            </a:r>
+          </a:p>
+          <a:p>
+            <a:r>
+              <a:rPr lang="ko-KR" altLang="en-US" dirty="0" smtClean="0"/>
+              <a:t>출력 결과를 보면 배고픔 상태를 기준으로 정렬되어 표시되어 있습니다</a:t>
+            </a:r>
+            <a:r>
+              <a:rPr lang="en-US" altLang="ko-KR" dirty="0" smtClean="0"/>
+              <a:t>.</a:t>
+            </a:r>
+          </a:p>
+        </p:txBody>
+      </p:sp>
+      <p:sp>
+        <p:nvSpPr>
+          <p:cNvPr id="4" name="슬라이드 번호 개체 틀 3"/>
+          <p:cNvSpPr>
+            <a:spLocks noGrp="1"/>
+          </p:cNvSpPr>
+          <p:nvPr>
+            <p:ph type="sldNum" sz="quarter" idx="10"/>
+          </p:nvPr>
+        </p:nvSpPr>
+        <p:spPr/>
+        <p:txBody>
+          <a:bodyPr/>
+          <a:lstStyle/>
+          <a:p>
+            <a:fld id="{11024B8E-A0BE-41F8-A2C4-E2F9A7419135}" type="slidenum">
+              <a:rPr lang="ko-KR" altLang="en-US" smtClean="0"/>
+              <a:t>6</a:t>
+            </a:fld>
+            <a:endParaRPr lang="ko-KR" altLang="en-US"/>
+          </a:p>
+        </p:txBody>
+      </p:sp>
+    </p:spTree>
+    <p:extLst>
+      <p:ext uri="{BB962C8B-B14F-4D97-AF65-F5344CB8AC3E}">
+        <p14:creationId xmlns:p14="http://schemas.microsoft.com/office/powerpoint/2010/main" val="1827920131"/>
+      </p:ext>
+    </p:extLst>
+  </p:cSld>
+  <p:clrMapOvr>
+    <a:masterClrMapping/>
+  </p:clrMapOvr>
+</p:notes>
+</file>
+
+<file path=ppt/notesSlides/notesSlide7.xml><?xml version="1.0" encoding="utf-8"?>
+<p:notes xmlns:a="http://schemas.openxmlformats.org/drawingml/2006/main" xmlns:r="http://schemas.openxmlformats.org/officeDocument/2006/relationships" xmlns:p="http://schemas.openxmlformats.org/presentationml/2006/main">
+  <p:cSld>
+    <p:spTree>
+      <p:nvGrpSpPr>
+        <p:cNvPr id="1" name=""/>
+        <p:cNvGrpSpPr/>
+        <p:nvPr/>
+      </p:nvGrpSpPr>
+      <p:grpSpPr>
+        <a:xfrm>
+          <a:off x="0" y="0"/>
+          <a:ext cx="0" cy="0"/>
+          <a:chOff x="0" y="0"/>
+          <a:chExt cx="0" cy="0"/>
+        </a:xfrm>
+      </p:grpSpPr>
+      <p:sp>
+        <p:nvSpPr>
+          <p:cNvPr id="2" name="슬라이드 이미지 개체 틀 1"/>
+          <p:cNvSpPr>
+            <a:spLocks noGrp="1" noRot="1" noChangeAspect="1"/>
+          </p:cNvSpPr>
+          <p:nvPr>
+            <p:ph type="sldImg"/>
+          </p:nvPr>
+        </p:nvSpPr>
+        <p:spPr/>
+      </p:sp>
+      <p:sp>
+        <p:nvSpPr>
+          <p:cNvPr id="3" name="슬라이드 노트 개체 틀 2"/>
+          <p:cNvSpPr>
+            <a:spLocks noGrp="1"/>
+          </p:cNvSpPr>
+          <p:nvPr>
+            <p:ph type="body" idx="1"/>
+          </p:nvPr>
+        </p:nvSpPr>
+        <p:spPr/>
+        <p:txBody>
+          <a:bodyPr/>
+          <a:lstStyle/>
+          <a:p>
+            <a:r>
+              <a:rPr lang="ko-KR" altLang="en-US" dirty="0" smtClean="0"/>
+              <a:t>자바에서 클래스를 나누듯이 각각의 객체가 하나의 </a:t>
+            </a:r>
+            <a:r>
+              <a:rPr lang="en-US" altLang="ko-KR" dirty="0" err="1" smtClean="0"/>
+              <a:t>js</a:t>
+            </a:r>
+            <a:r>
+              <a:rPr lang="ko-KR" altLang="en-US" dirty="0" smtClean="0"/>
+              <a:t>파일로 분리되어 있고</a:t>
+            </a:r>
+            <a:r>
+              <a:rPr lang="en-US" altLang="ko-KR" dirty="0" smtClean="0"/>
+              <a:t>,</a:t>
+            </a:r>
+          </a:p>
+          <a:p>
+            <a:r>
+              <a:rPr lang="ko-KR" altLang="en-US" dirty="0" smtClean="0"/>
+              <a:t>최종적으로 하나의 </a:t>
+            </a:r>
+            <a:r>
+              <a:rPr lang="en-US" altLang="ko-KR" dirty="0" err="1" smtClean="0"/>
+              <a:t>js</a:t>
+            </a:r>
+            <a:r>
+              <a:rPr lang="en-US" altLang="ko-KR" dirty="0" smtClean="0"/>
+              <a:t> </a:t>
+            </a:r>
+            <a:r>
+              <a:rPr lang="ko-KR" altLang="en-US" dirty="0" smtClean="0"/>
+              <a:t>에서 객체의 생성과 기능 동작을 할 수 있도록 했습니다</a:t>
+            </a:r>
+            <a:r>
+              <a:rPr lang="en-US" altLang="ko-KR" dirty="0" smtClean="0"/>
+              <a:t>.</a:t>
+            </a:r>
+            <a:endParaRPr lang="ko-KR" altLang="en-US" dirty="0"/>
+          </a:p>
+        </p:txBody>
+      </p:sp>
+      <p:sp>
+        <p:nvSpPr>
+          <p:cNvPr id="4" name="슬라이드 번호 개체 틀 3"/>
+          <p:cNvSpPr>
+            <a:spLocks noGrp="1"/>
+          </p:cNvSpPr>
+          <p:nvPr>
+            <p:ph type="sldNum" sz="quarter" idx="10"/>
+          </p:nvPr>
+        </p:nvSpPr>
+        <p:spPr/>
+        <p:txBody>
+          <a:bodyPr/>
+          <a:lstStyle/>
+          <a:p>
+            <a:fld id="{11024B8E-A0BE-41F8-A2C4-E2F9A7419135}" type="slidenum">
+              <a:rPr lang="ko-KR" altLang="en-US" smtClean="0"/>
+              <a:t>7</a:t>
+            </a:fld>
+            <a:endParaRPr lang="ko-KR" altLang="en-US"/>
+          </a:p>
+        </p:txBody>
+      </p:sp>
+    </p:spTree>
+    <p:extLst>
+      <p:ext uri="{BB962C8B-B14F-4D97-AF65-F5344CB8AC3E}">
+        <p14:creationId xmlns:p14="http://schemas.microsoft.com/office/powerpoint/2010/main" val="57180640"/>
+      </p:ext>
+    </p:extLst>
+  </p:cSld>
+  <p:clrMapOvr>
+    <a:masterClrMapping/>
+  </p:clrMapOvr>
+</p:notes>
+</file>
+
+<file path=ppt/notesSlides/notesSlide8.xml><?xml version="1.0" encoding="utf-8"?>
+<p:notes xmlns:a="http://schemas.openxmlformats.org/drawingml/2006/main" xmlns:r="http://schemas.openxmlformats.org/officeDocument/2006/relationships" xmlns:p="http://schemas.openxmlformats.org/presentationml/2006/main">
+  <p:cSld>
+    <p:spTree>
+      <p:nvGrpSpPr>
+        <p:cNvPr id="1" name=""/>
+        <p:cNvGrpSpPr/>
+        <p:nvPr/>
+      </p:nvGrpSpPr>
+      <p:grpSpPr>
+        <a:xfrm>
+          <a:off x="0" y="0"/>
+          <a:ext cx="0" cy="0"/>
+          <a:chOff x="0" y="0"/>
+          <a:chExt cx="0" cy="0"/>
+        </a:xfrm>
+      </p:grpSpPr>
+      <p:sp>
+        <p:nvSpPr>
+          <p:cNvPr id="2" name="슬라이드 이미지 개체 틀 1"/>
+          <p:cNvSpPr>
+            <a:spLocks noGrp="1" noRot="1" noChangeAspect="1"/>
+          </p:cNvSpPr>
+          <p:nvPr>
+            <p:ph type="sldImg"/>
+          </p:nvPr>
+        </p:nvSpPr>
+        <p:spPr/>
+      </p:sp>
+      <p:sp>
+        <p:nvSpPr>
+          <p:cNvPr id="3" name="슬라이드 노트 개체 틀 2"/>
+          <p:cNvSpPr>
+            <a:spLocks noGrp="1"/>
+          </p:cNvSpPr>
+          <p:nvPr>
+            <p:ph type="body" idx="1"/>
+          </p:nvPr>
+        </p:nvSpPr>
+        <p:spPr/>
+        <p:txBody>
+          <a:bodyPr/>
+          <a:lstStyle/>
+          <a:p>
+            <a:r>
+              <a:rPr lang="ko-KR" altLang="en-US" dirty="0" smtClean="0"/>
+              <a:t>부모클래스인 포유류에서 정의된 </a:t>
+            </a:r>
+            <a:r>
+              <a:rPr lang="ko-KR" altLang="en-US" dirty="0" err="1" smtClean="0"/>
+              <a:t>메서드를</a:t>
+            </a:r>
+            <a:r>
+              <a:rPr lang="ko-KR" altLang="en-US" dirty="0" smtClean="0"/>
+              <a:t> 자식 객체에서 재정의하여 기능을 확장 추가 하였습니다</a:t>
+            </a:r>
+            <a:r>
+              <a:rPr lang="en-US" altLang="ko-KR" dirty="0" smtClean="0"/>
+              <a:t>.</a:t>
+            </a:r>
+            <a:endParaRPr lang="ko-KR" altLang="en-US" dirty="0"/>
+          </a:p>
+        </p:txBody>
+      </p:sp>
+      <p:sp>
+        <p:nvSpPr>
+          <p:cNvPr id="4" name="슬라이드 번호 개체 틀 3"/>
+          <p:cNvSpPr>
+            <a:spLocks noGrp="1"/>
+          </p:cNvSpPr>
+          <p:nvPr>
+            <p:ph type="sldNum" sz="quarter" idx="10"/>
+          </p:nvPr>
+        </p:nvSpPr>
+        <p:spPr/>
+        <p:txBody>
+          <a:bodyPr/>
+          <a:lstStyle/>
+          <a:p>
+            <a:fld id="{11024B8E-A0BE-41F8-A2C4-E2F9A7419135}" type="slidenum">
+              <a:rPr lang="ko-KR" altLang="en-US" smtClean="0"/>
+              <a:t>8</a:t>
+            </a:fld>
+            <a:endParaRPr lang="ko-KR" altLang="en-US"/>
+          </a:p>
+        </p:txBody>
+      </p:sp>
+    </p:spTree>
+    <p:extLst>
+      <p:ext uri="{BB962C8B-B14F-4D97-AF65-F5344CB8AC3E}">
+        <p14:creationId xmlns:p14="http://schemas.microsoft.com/office/powerpoint/2010/main" val="4279472541"/>
+      </p:ext>
+    </p:extLst>
+  </p:cSld>
+  <p:clrMapOvr>
+    <a:masterClrMapping/>
+  </p:clrMapOvr>
+</p:notes>
+</file>
+
+<file path=ppt/notesSlides/notesSlide9.xml><?xml version="1.0" encoding="utf-8"?>
+<p:notes xmlns:a="http://schemas.openxmlformats.org/drawingml/2006/main" xmlns:r="http://schemas.openxmlformats.org/officeDocument/2006/relationships" xmlns:p="http://schemas.openxmlformats.org/presentationml/2006/main">
+  <p:cSld>
+    <p:spTree>
+      <p:nvGrpSpPr>
+        <p:cNvPr id="1" name=""/>
+        <p:cNvGrpSpPr/>
+        <p:nvPr/>
+      </p:nvGrpSpPr>
+      <p:grpSpPr>
+        <a:xfrm>
+          <a:off x="0" y="0"/>
+          <a:ext cx="0" cy="0"/>
+          <a:chOff x="0" y="0"/>
+          <a:chExt cx="0" cy="0"/>
+        </a:xfrm>
+      </p:grpSpPr>
+      <p:sp>
+        <p:nvSpPr>
+          <p:cNvPr id="2" name="슬라이드 이미지 개체 틀 1"/>
+          <p:cNvSpPr>
+            <a:spLocks noGrp="1" noRot="1" noChangeAspect="1"/>
+          </p:cNvSpPr>
+          <p:nvPr>
+            <p:ph type="sldImg"/>
+          </p:nvPr>
+        </p:nvSpPr>
+        <p:spPr/>
+      </p:sp>
+      <p:sp>
+        <p:nvSpPr>
+          <p:cNvPr id="3" name="슬라이드 노트 개체 틀 2"/>
+          <p:cNvSpPr>
+            <a:spLocks noGrp="1"/>
+          </p:cNvSpPr>
+          <p:nvPr>
+            <p:ph type="body" idx="1"/>
+          </p:nvPr>
+        </p:nvSpPr>
+        <p:spPr/>
+        <p:txBody>
+          <a:bodyPr/>
+          <a:lstStyle/>
+          <a:p>
+            <a:r>
+              <a:rPr lang="ko-KR" altLang="en-US" dirty="0" smtClean="0"/>
+              <a:t>상진씨 같은 경우</a:t>
+            </a:r>
+            <a:r>
+              <a:rPr lang="ko-KR" altLang="en-US" baseline="0" dirty="0" smtClean="0"/>
+              <a:t> 전의 기능에 </a:t>
+            </a:r>
+            <a:r>
+              <a:rPr lang="ko-KR" altLang="en-US" baseline="0" dirty="0" err="1" smtClean="0"/>
+              <a:t>메서드를</a:t>
+            </a:r>
+            <a:r>
+              <a:rPr lang="ko-KR" altLang="en-US" baseline="0" dirty="0" smtClean="0"/>
+              <a:t> 추가하여 특정 행동을 할 때마다 </a:t>
+            </a:r>
+            <a:r>
+              <a:rPr lang="ko-KR" altLang="en-US" baseline="0" dirty="0" err="1" smtClean="0"/>
+              <a:t>메서드를</a:t>
+            </a:r>
+            <a:r>
+              <a:rPr lang="ko-KR" altLang="en-US" baseline="0" dirty="0" smtClean="0"/>
+              <a:t> 호출해서 </a:t>
+            </a:r>
+            <a:endParaRPr lang="en-US" altLang="ko-KR" baseline="0" dirty="0" smtClean="0"/>
+          </a:p>
+          <a:p>
+            <a:r>
+              <a:rPr lang="ko-KR" altLang="en-US" baseline="0" dirty="0" smtClean="0"/>
+              <a:t>건강 상태가 즉시 바뀌도록 추가 구현을 했습니다</a:t>
+            </a:r>
+            <a:r>
+              <a:rPr lang="en-US" altLang="ko-KR" baseline="0" dirty="0" smtClean="0"/>
+              <a:t>.</a:t>
+            </a:r>
+          </a:p>
+          <a:p>
+            <a:endParaRPr lang="en-US" altLang="ko-KR" baseline="0" dirty="0" smtClean="0"/>
+          </a:p>
+          <a:p>
+            <a:r>
+              <a:rPr lang="ko-KR" altLang="en-US" baseline="0" dirty="0" smtClean="0"/>
+              <a:t>또한 부모객체에는 없는 자식 객체의 </a:t>
+            </a:r>
+            <a:r>
+              <a:rPr lang="ko-KR" altLang="en-US" baseline="0" dirty="0" err="1" smtClean="0"/>
+              <a:t>메서드는</a:t>
+            </a:r>
+            <a:r>
+              <a:rPr lang="ko-KR" altLang="en-US" baseline="0" dirty="0" smtClean="0"/>
+              <a:t> 새롭게 정의되어 각자의 기능에 따라 동작하도록 했습니다</a:t>
+            </a:r>
+            <a:r>
+              <a:rPr lang="en-US" altLang="ko-KR" baseline="0" dirty="0" smtClean="0"/>
+              <a:t>.</a:t>
+            </a:r>
+            <a:endParaRPr lang="ko-KR" altLang="en-US" dirty="0"/>
+          </a:p>
+        </p:txBody>
+      </p:sp>
+      <p:sp>
+        <p:nvSpPr>
+          <p:cNvPr id="4" name="슬라이드 번호 개체 틀 3"/>
+          <p:cNvSpPr>
+            <a:spLocks noGrp="1"/>
+          </p:cNvSpPr>
+          <p:nvPr>
+            <p:ph type="sldNum" sz="quarter" idx="10"/>
+          </p:nvPr>
+        </p:nvSpPr>
+        <p:spPr/>
+        <p:txBody>
+          <a:bodyPr/>
+          <a:lstStyle/>
+          <a:p>
+            <a:fld id="{11024B8E-A0BE-41F8-A2C4-E2F9A7419135}" type="slidenum">
+              <a:rPr lang="ko-KR" altLang="en-US" smtClean="0"/>
+              <a:t>9</a:t>
+            </a:fld>
+            <a:endParaRPr lang="ko-KR" altLang="en-US"/>
+          </a:p>
+        </p:txBody>
+      </p:sp>
+    </p:spTree>
+    <p:extLst>
+      <p:ext uri="{BB962C8B-B14F-4D97-AF65-F5344CB8AC3E}">
+        <p14:creationId xmlns:p14="http://schemas.microsoft.com/office/powerpoint/2010/main" val="4000494125"/>
+      </p:ext>
+    </p:extLst>
+  </p:cSld>
+  <p:clrMapOvr>
+    <a:masterClrMapping/>
+  </p:clrMapOvr>
+</p:notes>
 </file>
 
 <file path=ppt/slideLayouts/slideLayout1.xml><?xml version="1.0" encoding="utf-8"?>
@@ -341,7 +2183,7 @@
             <a:fld id="{8550D5B9-67E6-4DB9-A4DB-EC4C11045527}" type="datetimeFigureOut">
               <a:rPr lang="ko-KR" altLang="en-US" smtClean="0"/>
               <a:pPr/>
-              <a:t>17.07.26.Wed</a:t>
+              <a:t>17-07-27 Thu</a:t>
             </a:fld>
             <a:endParaRPr lang="ko-KR" altLang="en-US"/>
           </a:p>
@@ -508,7 +2350,7 @@
             <a:fld id="{8550D5B9-67E6-4DB9-A4DB-EC4C11045527}" type="datetimeFigureOut">
               <a:rPr lang="ko-KR" altLang="en-US" smtClean="0"/>
               <a:pPr/>
-              <a:t>17.07.26.Wed</a:t>
+              <a:t>17-07-27 Thu</a:t>
             </a:fld>
             <a:endParaRPr lang="ko-KR" altLang="en-US"/>
           </a:p>
@@ -685,7 +2527,7 @@
             <a:fld id="{8550D5B9-67E6-4DB9-A4DB-EC4C11045527}" type="datetimeFigureOut">
               <a:rPr lang="ko-KR" altLang="en-US" smtClean="0"/>
               <a:pPr/>
-              <a:t>17.07.26.Wed</a:t>
+              <a:t>17-07-27 Thu</a:t>
             </a:fld>
             <a:endParaRPr lang="ko-KR" altLang="en-US"/>
           </a:p>
@@ -876,7 +2718,7 @@
             <a:fld id="{8550D5B9-67E6-4DB9-A4DB-EC4C11045527}" type="datetimeFigureOut">
               <a:rPr lang="ko-KR" altLang="en-US" smtClean="0"/>
               <a:pPr/>
-              <a:t>17.07.26.Wed</a:t>
+              <a:t>17-07-27 Thu</a:t>
             </a:fld>
             <a:endParaRPr lang="ko-KR" altLang="en-US"/>
           </a:p>
@@ -1119,7 +2961,7 @@
             <a:fld id="{8550D5B9-67E6-4DB9-A4DB-EC4C11045527}" type="datetimeFigureOut">
               <a:rPr lang="ko-KR" altLang="en-US" smtClean="0"/>
               <a:pPr/>
-              <a:t>17.07.26.Wed</a:t>
+              <a:t>17-07-27 Thu</a:t>
             </a:fld>
             <a:endParaRPr lang="ko-KR" altLang="en-US"/>
           </a:p>
@@ -1404,7 +3246,7 @@
             <a:fld id="{8550D5B9-67E6-4DB9-A4DB-EC4C11045527}" type="datetimeFigureOut">
               <a:rPr lang="ko-KR" altLang="en-US" smtClean="0"/>
               <a:pPr/>
-              <a:t>17.07.26.Wed</a:t>
+              <a:t>17-07-27 Thu</a:t>
             </a:fld>
             <a:endParaRPr lang="ko-KR" altLang="en-US"/>
           </a:p>
@@ -1823,7 +3665,7 @@
             <a:fld id="{8550D5B9-67E6-4DB9-A4DB-EC4C11045527}" type="datetimeFigureOut">
               <a:rPr lang="ko-KR" altLang="en-US" smtClean="0"/>
               <a:pPr/>
-              <a:t>17.07.26.Wed</a:t>
+              <a:t>17-07-27 Thu</a:t>
             </a:fld>
             <a:endParaRPr lang="ko-KR" altLang="en-US"/>
           </a:p>
@@ -1938,7 +3780,7 @@
             <a:fld id="{8550D5B9-67E6-4DB9-A4DB-EC4C11045527}" type="datetimeFigureOut">
               <a:rPr lang="ko-KR" altLang="en-US" smtClean="0"/>
               <a:pPr/>
-              <a:t>17.07.26.Wed</a:t>
+              <a:t>17-07-27 Thu</a:t>
             </a:fld>
             <a:endParaRPr lang="ko-KR" altLang="en-US"/>
           </a:p>
@@ -2030,7 +3872,7 @@
             <a:fld id="{8550D5B9-67E6-4DB9-A4DB-EC4C11045527}" type="datetimeFigureOut">
               <a:rPr lang="ko-KR" altLang="en-US" smtClean="0"/>
               <a:pPr/>
-              <a:t>17.07.26.Wed</a:t>
+              <a:t>17-07-27 Thu</a:t>
             </a:fld>
             <a:endParaRPr lang="ko-KR" altLang="en-US"/>
           </a:p>
@@ -2304,7 +4146,7 @@
             <a:fld id="{8550D5B9-67E6-4DB9-A4DB-EC4C11045527}" type="datetimeFigureOut">
               <a:rPr lang="ko-KR" altLang="en-US" smtClean="0"/>
               <a:pPr/>
-              <a:t>17.07.26.Wed</a:t>
+              <a:t>17-07-27 Thu</a:t>
             </a:fld>
             <a:endParaRPr lang="ko-KR" altLang="en-US"/>
           </a:p>
@@ -2554,7 +4396,7 @@
             <a:fld id="{8550D5B9-67E6-4DB9-A4DB-EC4C11045527}" type="datetimeFigureOut">
               <a:rPr lang="ko-KR" altLang="en-US" smtClean="0"/>
               <a:pPr/>
-              <a:t>17.07.26.Wed</a:t>
+              <a:t>17-07-27 Thu</a:t>
             </a:fld>
             <a:endParaRPr lang="ko-KR" altLang="en-US"/>
           </a:p>
@@ -2764,7 +4606,7 @@
             <a:fld id="{8550D5B9-67E6-4DB9-A4DB-EC4C11045527}" type="datetimeFigureOut">
               <a:rPr lang="ko-KR" altLang="en-US" smtClean="0"/>
               <a:pPr/>
-              <a:t>17.07.26.Wed</a:t>
+              <a:t>17-07-27 Thu</a:t>
             </a:fld>
             <a:endParaRPr lang="ko-KR" altLang="en-US"/>
           </a:p>
@@ -3604,7 +5446,7 @@
           <p:nvPr/>
         </p:nvPicPr>
         <p:blipFill>
-          <a:blip r:embed="rId2">
+          <a:blip r:embed="rId3">
             <a:extLst>
               <a:ext uri="{28A0092B-C50C-407E-A947-70E740481C1C}">
                 <a14:useLocalDpi xmlns:a14="http://schemas.microsoft.com/office/drawing/2010/main" val="0"/>
@@ -3657,15 +5499,7 @@
             </a:r>
             <a:r>
               <a:rPr lang="ko-KR" altLang="en-US" sz="2000" b="1" dirty="0" smtClean="0"/>
-              <a:t>실수로 </a:t>
-            </a:r>
-            <a:r>
-              <a:rPr lang="ko-KR" altLang="en-US" sz="2000" b="1" dirty="0" smtClean="0"/>
-              <a:t>팀원</a:t>
-            </a:r>
-            <a:r>
-              <a:rPr lang="ko-KR" altLang="en-US" sz="2000" b="1" dirty="0" smtClean="0"/>
-              <a:t> </a:t>
+              <a:t>실수로 팀원 </a:t>
             </a:r>
             <a:r>
               <a:rPr lang="en-US" altLang="ko-KR" sz="2000" b="1" dirty="0" smtClean="0"/>
@@ -4545,7 +6379,7 @@
             </a:r>
             <a:r>
               <a:rPr lang="ko-KR" altLang="en-US" sz="2400" b="1" dirty="0" smtClean="0"/>
-              <a:t>기획</a:t>
+              <a:t>기획 </a:t>
             </a:r>
             <a:r>
               <a:rPr lang="en-US" altLang="ko-KR" sz="2400" b="1" dirty="0" smtClean="0"/>
@@ -4590,7 +6424,7 @@
           <a:p>
             <a:r>
               <a:rPr lang="en-US" altLang="ko-KR" sz="3200" b="1" dirty="0" smtClean="0"/>
-              <a:t>-</a:t>
+              <a:t>- </a:t>
             </a:r>
             <a:r>
               <a:rPr lang="ko-KR" altLang="en-US" sz="3200" b="1" dirty="0" smtClean="0"/>
@@ -4605,7 +6439,15 @@
             </a:r>
             <a:r>
               <a:rPr lang="ko-KR" altLang="en-US" sz="2400" b="1" dirty="0" smtClean="0"/>
-              <a:t>애완동물</a:t>
+              <a:t>반</a:t>
+            </a:r>
+            <a:r>
+              <a:rPr lang="ko-KR" altLang="en-US" sz="2400" b="1" dirty="0"/>
+              <a:t>려</a:t>
+            </a:r>
+            <a:r>
+              <a:rPr lang="ko-KR" altLang="en-US" sz="2400" b="1" dirty="0" smtClean="0"/>
+              <a:t>동물</a:t>
             </a:r>
             <a:r>
               <a:rPr lang="en-US" altLang="ko-KR" sz="2400" b="1" dirty="0" smtClean="0"/>
@@ -4632,7 +6474,15 @@
             </a:r>
             <a:r>
               <a:rPr lang="ko-KR" altLang="en-US" sz="2400" b="1" dirty="0" smtClean="0"/>
-              <a:t>애완동물</a:t>
+              <a:t>반</a:t>
+            </a:r>
+            <a:r>
+              <a:rPr lang="ko-KR" altLang="en-US" sz="2400" b="1" dirty="0"/>
+              <a:t>려</a:t>
+            </a:r>
+            <a:r>
+              <a:rPr lang="ko-KR" altLang="en-US" sz="2400" b="1" dirty="0" smtClean="0"/>
+              <a:t>동물</a:t>
             </a:r>
             <a:r>
               <a:rPr lang="en-US" altLang="ko-KR" sz="2400" b="1" dirty="0" smtClean="0"/>
@@ -4658,7 +6508,7 @@
           <a:p>
             <a:r>
               <a:rPr lang="en-US" altLang="ko-KR" sz="3200" b="1" dirty="0" smtClean="0"/>
-              <a:t>-</a:t>
+              <a:t>- </a:t>
             </a:r>
             <a:r>
               <a:rPr lang="ko-KR" altLang="en-US" sz="3200" b="1" dirty="0" smtClean="0"/>
@@ -5775,7 +7625,27 @@
                   </a:schemeClr>
                 </a:solidFill>
               </a:rPr>
-              <a:t>애완동물</a:t>
+              <a:t>반</a:t>
+            </a:r>
+            <a:r>
+              <a:rPr lang="ko-KR" altLang="en-US" sz="1600" b="1" dirty="0">
+                <a:solidFill>
+                  <a:schemeClr val="accent3">
+                    <a:lumMod val="50000"/>
+                  </a:schemeClr>
+                </a:solidFill>
+              </a:rPr>
+              <a:t>려</a:t>
+            </a:r>
+            <a:r>
+              <a:rPr lang="ko-KR" altLang="en-US" sz="1600" b="1" dirty="0" smtClean="0">
+                <a:solidFill>
+                  <a:schemeClr val="accent3">
+                    <a:lumMod val="50000"/>
+                  </a:schemeClr>
+                </a:solidFill>
+              </a:rPr>
+              <a:t>동물</a:t>
             </a:r>
             <a:r>
               <a:rPr lang="en-US" altLang="ko-KR" sz="1600" b="1" dirty="0" smtClean="0">
@@ -5991,7 +7861,27 @@
                   </a:schemeClr>
                 </a:solidFill>
               </a:rPr>
-              <a:t>애완동물</a:t>
+              <a:t>반</a:t>
+            </a:r>
+            <a:r>
+              <a:rPr lang="ko-KR" altLang="en-US" sz="1600" b="1" dirty="0">
+                <a:solidFill>
+                  <a:schemeClr val="accent6">
+                    <a:lumMod val="50000"/>
+                  </a:schemeClr>
+                </a:solidFill>
+              </a:rPr>
+              <a:t>려</a:t>
+            </a:r>
+            <a:r>
+              <a:rPr lang="ko-KR" altLang="en-US" sz="1600" b="1" dirty="0" smtClean="0">
+                <a:solidFill>
+                  <a:schemeClr val="accent6">
+                    <a:lumMod val="50000"/>
+                  </a:schemeClr>
+                </a:solidFill>
+              </a:rPr>
+              <a:t>동물</a:t>
             </a:r>
             <a:r>
               <a:rPr lang="en-US" altLang="ko-KR" sz="1600" b="1" dirty="0" smtClean="0">
@@ -6149,17 +8039,7 @@
                   </a:schemeClr>
                 </a:solidFill>
               </a:rPr>
-              <a:t>Health</a:t>
-            </a:r>
-            <a:r>
-              <a:rPr lang="en-US" altLang="ko-KR" sz="1600" dirty="0" smtClean="0">
-                <a:solidFill>
-                  <a:schemeClr val="accent3">
-                    <a:lumMod val="50000"/>
-                  </a:schemeClr>
-                </a:solidFill>
-              </a:rPr>
-              <a:t>, </a:t>
+              <a:t>Health, </a:t>
             </a:r>
             <a:r>
               <a:rPr lang="en-US" altLang="ko-KR" sz="1600" dirty="0" err="1" smtClean="0">
@@ -6760,17 +8640,7 @@
                   </a:schemeClr>
                 </a:solidFill>
               </a:rPr>
-              <a:t>Fly, </a:t>
-            </a:r>
-            <a:r>
-              <a:rPr lang="en-US" altLang="ko-KR" sz="1600" dirty="0" smtClean="0">
-                <a:solidFill>
-                  <a:schemeClr val="accent3">
-                    <a:lumMod val="50000"/>
-                  </a:schemeClr>
-                </a:solidFill>
-              </a:rPr>
-              <a:t>Say</a:t>
+              <a:t>Fly, Say</a:t>
             </a:r>
             <a:endParaRPr lang="ko-KR" altLang="en-US" sz="1600" dirty="0">
               <a:solidFill>
@@ -7105,7 +8975,7 @@
           <p:nvPr/>
         </p:nvPicPr>
         <p:blipFill>
-          <a:blip r:embed="rId2">
+          <a:blip r:embed="rId3">
             <a:extLst>
               <a:ext uri="{28A0092B-C50C-407E-A947-70E740481C1C}">
                 <a14:useLocalDpi xmlns:a14="http://schemas.microsoft.com/office/drawing/2010/main" val="0"/>
@@ -7238,7 +9108,7 @@
           <p:nvPr/>
         </p:nvPicPr>
         <p:blipFill>
-          <a:blip r:embed="rId2">
+          <a:blip r:embed="rId3">
             <a:extLst>
               <a:ext uri="{28A0092B-C50C-407E-A947-70E740481C1C}">
                 <a14:useLocalDpi xmlns:a14="http://schemas.microsoft.com/office/drawing/2010/main" val="0"/>
@@ -7268,7 +9138,7 @@
           <p:nvPr/>
         </p:nvPicPr>
         <p:blipFill>
-          <a:blip r:embed="rId3">
+          <a:blip r:embed="rId4">
             <a:extLst>
               <a:ext uri="{28A0092B-C50C-407E-A947-70E740481C1C}">
                 <a14:useLocalDpi xmlns:a14="http://schemas.microsoft.com/office/drawing/2010/main" val="0"/>
@@ -7402,7 +9272,7 @@
           <p:nvPr/>
         </p:nvPicPr>
         <p:blipFill>
-          <a:blip r:embed="rId2">
+          <a:blip r:embed="rId3">
             <a:extLst>
               <a:ext uri="{28A0092B-C50C-407E-A947-70E740481C1C}">
                 <a14:useLocalDpi xmlns:a14="http://schemas.microsoft.com/office/drawing/2010/main" val="0"/>
@@ -7473,7 +9343,7 @@
           <p:nvPr/>
         </p:nvPicPr>
         <p:blipFill>
-          <a:blip r:embed="rId3">
+          <a:blip r:embed="rId4">
             <a:extLst>
               <a:ext uri="{28A0092B-C50C-407E-A947-70E740481C1C}">
                 <a14:useLocalDpi xmlns:a14="http://schemas.microsoft.com/office/drawing/2010/main" val="0"/>
@@ -7617,11 +9487,7 @@
           <a:p>
             <a:r>
               <a:rPr lang="ko-KR" altLang="en-US" sz="1600" b="1" dirty="0" smtClean="0"/>
-              <a:t>포유류의 </a:t>
-            </a:r>
-            <a:r>
-              <a:rPr lang="ko-KR" altLang="en-US" sz="1600" b="1" dirty="0" smtClean="0"/>
-              <a:t>공통 행동</a:t>
+              <a:t>포유류의 공통 행동</a:t>
             </a:r>
             <a:endParaRPr lang="ko-KR" altLang="en-US" sz="1600" b="1" dirty="0"/>
           </a:p>
@@ -7685,11 +9551,7 @@
           <a:p>
             <a:r>
               <a:rPr lang="ko-KR" altLang="en-US" sz="1600" b="1" dirty="0" smtClean="0"/>
-              <a:t>강아지</a:t>
-            </a:r>
-            <a:r>
-              <a:rPr lang="ko-KR" altLang="en-US" sz="1600" b="1" dirty="0" smtClean="0"/>
-              <a:t>의 행동</a:t>
+              <a:t>강아지의 행동</a:t>
             </a:r>
             <a:r>
               <a:rPr lang="en-US" altLang="ko-KR" sz="1600" b="1" dirty="0"/>
@@ -7705,36 +9567,6 @@
       <p:pic>
         <p:nvPicPr>
           <p:cNvPr id="2" name="그림 1"/>
-          <p:cNvPicPr>
-            <a:picLocks noChangeAspect="1"/>
-          </p:cNvPicPr>
-          <p:nvPr/>
-        </p:nvPicPr>
-        <p:blipFill>
-          <a:blip r:embed="rId2">
-            <a:extLst>
-              <a:ext uri="{28A0092B-C50C-407E-A947-70E740481C1C}">
-                <a14:useLocalDpi xmlns:a14="http://schemas.microsoft.com/office/drawing/2010/main" val="0"/>
-              </a:ext>
-            </a:extLst>
-          </a:blip>
-          <a:stretch>
-            <a:fillRect/>
-          </a:stretch>
-        </p:blipFill>
-        <p:spPr>
-          <a:xfrm>
-            <a:off x="683569" y="2348880"/>
-            <a:ext cx="3670869" cy="2195529"/>
-          </a:xfrm>
-          <a:prstGeom prst="rect">
-            <a:avLst/>
-          </a:prstGeom>
-        </p:spPr>
-      </p:pic>
-      <p:pic>
-        <p:nvPicPr>
-          <p:cNvPr id="3" name="그림 2"/>
           <p:cNvPicPr>
             <a:picLocks noChangeAspect="1"/>
           </p:cNvPicPr>
@@ -7754,6 +9586,36 @@
         </p:blipFill>
         <p:spPr>
           <a:xfrm>
+            <a:off x="683569" y="2348880"/>
+            <a:ext cx="3670869" cy="2195529"/>
+          </a:xfrm>
+          <a:prstGeom prst="rect">
+            <a:avLst/>
+          </a:prstGeom>
+        </p:spPr>
+      </p:pic>
+      <p:pic>
+        <p:nvPicPr>
+          <p:cNvPr id="3" name="그림 2"/>
+          <p:cNvPicPr>
+            <a:picLocks noChangeAspect="1"/>
+          </p:cNvPicPr>
+          <p:nvPr/>
+        </p:nvPicPr>
+        <p:blipFill>
+          <a:blip r:embed="rId4">
+            <a:extLst>
+              <a:ext uri="{28A0092B-C50C-407E-A947-70E740481C1C}">
+                <a14:useLocalDpi xmlns:a14="http://schemas.microsoft.com/office/drawing/2010/main" val="0"/>
+              </a:ext>
+            </a:extLst>
+          </a:blip>
+          <a:stretch>
+            <a:fillRect/>
+          </a:stretch>
+        </p:blipFill>
+        <p:spPr>
+          <a:xfrm>
             <a:off x="4868797" y="1007203"/>
             <a:ext cx="3231595" cy="2042272"/>
           </a:xfrm>
@@ -7771,7 +9633,7 @@
           <p:nvPr/>
         </p:nvPicPr>
         <p:blipFill>
-          <a:blip r:embed="rId4">
+          <a:blip r:embed="rId5">
             <a:extLst>
               <a:ext uri="{28A0092B-C50C-407E-A947-70E740481C1C}">
                 <a14:useLocalDpi xmlns:a14="http://schemas.microsoft.com/office/drawing/2010/main" val="0"/>
@@ -8016,7 +9878,7 @@
           <p:nvPr/>
         </p:nvPicPr>
         <p:blipFill>
-          <a:blip r:embed="rId2"/>
+          <a:blip r:embed="rId3"/>
           <a:srcRect l="20508" t="39583" r="54297" b="20833"/>
           <a:stretch>
             <a:fillRect/>
@@ -8024,7 +9886,7 @@
         </p:blipFill>
         <p:spPr bwMode="auto">
           <a:xfrm>
-            <a:off x="285720" y="1071546"/>
+            <a:off x="814286" y="1071546"/>
             <a:ext cx="3071834" cy="2714644"/>
           </a:xfrm>
           <a:prstGeom prst="rect">
@@ -8051,7 +9913,7 @@
           <p:nvPr/>
         </p:nvPicPr>
         <p:blipFill>
-          <a:blip r:embed="rId3"/>
+          <a:blip r:embed="rId4"/>
           <a:srcRect l="20703" t="48958" r="56445" b="25000"/>
           <a:stretch>
             <a:fillRect/>
@@ -8059,7 +9921,7 @@
         </p:blipFill>
         <p:spPr bwMode="auto">
           <a:xfrm>
-            <a:off x="4357686" y="1071546"/>
+            <a:off x="4886252" y="1071546"/>
             <a:ext cx="2786082" cy="1785950"/>
           </a:xfrm>
           <a:prstGeom prst="rect">
@@ -8086,7 +9948,7 @@
           <p:nvPr/>
         </p:nvPicPr>
         <p:blipFill>
-          <a:blip r:embed="rId4"/>
+          <a:blip r:embed="rId5"/>
           <a:srcRect l="20703" t="63541" r="51758" b="23959"/>
           <a:stretch>
             <a:fillRect/>
@@ -8094,7 +9956,7 @@
         </p:blipFill>
         <p:spPr bwMode="auto">
           <a:xfrm>
-            <a:off x="4214810" y="3571876"/>
+            <a:off x="4743376" y="3571876"/>
             <a:ext cx="3357586" cy="857256"/>
           </a:xfrm>
           <a:prstGeom prst="rect">
@@ -8120,7 +9982,7 @@
         </p:nvSpPr>
         <p:spPr>
           <a:xfrm>
-            <a:off x="928662" y="714356"/>
+            <a:off x="1457228" y="714356"/>
             <a:ext cx="1765227" cy="338554"/>
           </a:xfrm>
           <a:prstGeom prst="rect">
@@ -8150,7 +10012,7 @@
         </p:nvSpPr>
         <p:spPr>
           <a:xfrm>
-            <a:off x="5012918" y="714356"/>
+            <a:off x="5541484" y="714356"/>
             <a:ext cx="1487908" cy="338554"/>
           </a:xfrm>
           <a:prstGeom prst="rect">
@@ -8180,7 +10042,7 @@
         </p:nvSpPr>
         <p:spPr>
           <a:xfrm>
-            <a:off x="5214942" y="3233322"/>
+            <a:off x="5743508" y="3233322"/>
             <a:ext cx="1077539" cy="338554"/>
           </a:xfrm>
           <a:prstGeom prst="rect">
@@ -8210,7 +10072,7 @@
         </p:nvSpPr>
         <p:spPr>
           <a:xfrm>
-            <a:off x="181470" y="4845618"/>
+            <a:off x="710036" y="4845618"/>
             <a:ext cx="7462364" cy="369332"/>
           </a:xfrm>
           <a:prstGeom prst="rect">
@@ -8545,4 +10407,289 @@
   <a:objectDefaults/>
   <a:extraClrSchemeLst/>
 </a:theme>
+</file>
+
+<file path=ppt/theme/theme2.xml><?xml version="1.0" encoding="utf-8"?>
+<a:theme xmlns:a="http://schemas.openxmlformats.org/drawingml/2006/main" name="Office 테마">
+  <a:themeElements>
+    <a:clrScheme name="Office">
+      <a:dk1>
+        <a:sysClr val="windowText" lastClr="000000"/>
+      </a:dk1>
+      <a:lt1>
+        <a:sysClr val="window" lastClr="FFFFFF"/>
+      </a:lt1>
+      <a:dk2>
+        <a:srgbClr val="1F497D"/>
+      </a:dk2>
+      <a:lt2>
+        <a:srgbClr val="EEECE1"/>
+      </a:lt2>
+      <a:accent1>
+        <a:srgbClr val="4F81BD"/>
+      </a:accent1>
+      <a:accent2>
+        <a:srgbClr val="C0504D"/>
+      </a:accent2>
+      <a:accent3>
+        <a:srgbClr val="9BBB59"/>
+      </a:accent3>
+      <a:accent4>
+        <a:srgbClr val="8064A2"/>
+      </a:accent4>
+      <a:accent5>
+        <a:srgbClr val="4BACC6"/>
+      </a:accent5>
+      <a:accent6>
+        <a:srgbClr val="F79646"/>
+      </a:accent6>
+      <a:hlink>
+        <a:srgbClr val="0000FF"/>
+      </a:hlink>
+      <a:folHlink>
+        <a:srgbClr val="800080"/>
+      </a:folHlink>
+    </a:clrScheme>
+    <a:fontScheme name="Office">
+      <a:majorFont>
+        <a:latin typeface="맑은 고딕"/>
+        <a:ea typeface=""/>
+        <a:cs typeface=""/>
+        <a:font script="Jpan" typeface="ＭＳ Ｐゴシック"/>
+        <a:font script="Hang" typeface="맑은 고딕"/>
+        <a:font script="Hans" typeface="宋体"/>
+        <a:font script="Hant" typeface="新細明體"/>
+        <a:font script="Arab" typeface="Times New Roman"/>
+        <a:font script="Hebr" typeface="Times New Roman"/>
+        <a:font script="Thai" typeface="Angsana New"/>
+        <a:font script="Ethi" typeface="Nyala"/>
+        <a:font script="Beng" typeface="Vrinda"/>
+        <a:font script="Gujr" typeface="Shruti"/>
+        <a:font script="Khmr" typeface="MoolBoran"/>
+        <a:font script="Knda" typeface="Tunga"/>
+        <a:font script="Guru" typeface="Raavi"/>
+        <a:font script="Cans" typeface="Euphemia"/>
+        <a:font script="Cher" typeface="Plantagenet Cherokee"/>
+        <a:font script="Yiii" typeface="Microsoft Yi Baiti"/>
+        <a:font script="Tibt" typeface="Microsoft Himalaya"/>
+        <a:font script="Thaa" typeface="MV Boli"/>
+        <a:font script="Deva" typeface="Mangal"/>
+        <a:font script="Telu" typeface="Gautami"/>
+        <a:font script="Taml" typeface="Latha"/>
+        <a:font script="Syrc" typeface="Estrangelo Edessa"/>
+        <a:font script="Orya" typeface="Kalinga"/>
+        <a:font script="Mlym" typeface="Kartika"/>
+        <a:font script="Laoo" typeface="DokChampa"/>
+        <a:font script="Sinh" typeface="Iskoola Pota"/>
+        <a:font script="Mong" typeface="Mongolian Baiti"/>
+        <a:font script="Viet" typeface="Times New Roman"/>
+        <a:font script="Uigh" typeface="Microsoft Uighur"/>
+        <a:font script="Geor" typeface="Sylfaen"/>
+      </a:majorFont>
+      <a:minorFont>
+        <a:latin typeface="맑은 고딕"/>
+        <a:ea typeface=""/>
+        <a:cs typeface=""/>
+        <a:font script="Jpan" typeface="ＭＳ Ｐゴシック"/>
+        <a:font script="Hang" typeface="맑은 고딕"/>
+        <a:font script="Hans" typeface="宋体"/>
+        <a:font script="Hant" typeface="新細明體"/>
+        <a:font script="Arab" typeface="Arial"/>
+        <a:font script="Hebr" typeface="Arial"/>
+        <a:font script="Thai" typeface="Cordia New"/>
+        <a:font script="Ethi" typeface="Nyala"/>
+        <a:font script="Beng" typeface="Vrinda"/>
+        <a:font script="Gujr" typeface="Shruti"/>
+        <a:font script="Khmr" typeface="DaunPenh"/>
+        <a:font script="Knda" typeface="Tunga"/>
+        <a:font script="Guru" typeface="Raavi"/>
+        <a:font script="Cans" typeface="Euphemia"/>
+        <a:font script="Cher" typeface="Plantagenet Cherokee"/>
+        <a:font script="Yiii" typeface="Microsoft Yi Baiti"/>
+        <a:font script="Tibt" typeface="Microsoft Himalaya"/>
+        <a:font script="Thaa" typeface="MV Boli"/>
+        <a:font script="Deva" typeface="Mangal"/>
+        <a:font script="Telu" typeface="Gautami"/>
+        <a:font script="Taml" typeface="Latha"/>
+        <a:font script="Syrc" typeface="Estrangelo Edessa"/>
+        <a:font script="Orya" typeface="Kalinga"/>
+        <a:font script="Mlym" typeface="Kartika"/>
+        <a:font script="Laoo" typeface="DokChampa"/>
+        <a:font script="Sinh" typeface="Iskoola Pota"/>
+        <a:font script="Mong" typeface="Mongolian Baiti"/>
+        <a:font script="Viet" typeface="Arial"/>
+        <a:font script="Uigh" typeface="Microsoft Uighur"/>
+        <a:font script="Geor" typeface="Sylfaen"/>
+      </a:minorFont>
+    </a:fontScheme>
+    <a:fmtScheme name="Office">
+      <a:fillStyleLst>
+        <a:solidFill>
+          <a:schemeClr val="phClr"/>
+        </a:solidFill>
+        <a:gradFill rotWithShape="1">
+          <a:gsLst>
+            <a:gs pos="0">
+              <a:schemeClr val="phClr">
+                <a:tint val="50000"/>
+                <a:satMod val="300000"/>
+              </a:schemeClr>
+            </a:gs>
+            <a:gs pos="35000">
+              <a:schemeClr val="phClr">
+                <a:tint val="37000"/>
+                <a:satMod val="300000"/>
+              </a:schemeClr>
+            </a:gs>
+            <a:gs pos="100000">
+              <a:schemeClr val="phClr">
+                <a:tint val="15000"/>
+                <a:satMod val="350000"/>
+              </a:schemeClr>
+            </a:gs>
+          </a:gsLst>
+          <a:lin ang="16200000" scaled="1"/>
+        </a:gradFill>
+        <a:gradFill rotWithShape="1">
+          <a:gsLst>
+            <a:gs pos="0">
+              <a:schemeClr val="phClr">
+                <a:shade val="51000"/>
+                <a:satMod val="130000"/>
+              </a:schemeClr>
+            </a:gs>
+            <a:gs pos="80000">
+              <a:schemeClr val="phClr">
+                <a:shade val="93000"/>
+                <a:satMod val="130000"/>
+              </a:schemeClr>
+            </a:gs>
+            <a:gs pos="100000">
+              <a:schemeClr val="phClr">
+                <a:shade val="94000"/>
+                <a:satMod val="135000"/>
+              </a:schemeClr>
+            </a:gs>
+          </a:gsLst>
+          <a:lin ang="16200000" scaled="0"/>
+        </a:gradFill>
+      </a:fillStyleLst>
+      <a:lnStyleLst>
+        <a:ln w="9525" cap="flat" cmpd="sng" algn="ctr">
+          <a:solidFill>
+            <a:schemeClr val="phClr">
+              <a:shade val="95000"/>
+              <a:satMod val="105000"/>
+            </a:schemeClr>
+          </a:solidFill>
+          <a:prstDash val="solid"/>
+        </a:ln>
+        <a:ln w="25400" cap="flat" cmpd="sng" algn="ctr">
+          <a:solidFill>
+            <a:schemeClr val="phClr"/>
+          </a:solidFill>
+          <a:prstDash val="solid"/>
+        </a:ln>
+        <a:ln w="38100" cap="flat" cmpd="sng" algn="ctr">
+          <a:solidFill>
+            <a:schemeClr val="phClr"/>
+          </a:solidFill>
+          <a:prstDash val="solid"/>
+        </a:ln>
+      </a:lnStyleLst>
+      <a:effectStyleLst>
+        <a:effectStyle>
+          <a:effectLst>
+            <a:outerShdw blurRad="40000" dist="20000" dir="5400000" rotWithShape="0">
+              <a:srgbClr val="000000">
+                <a:alpha val="38000"/>
+              </a:srgbClr>
+            </a:outerShdw>
+          </a:effectLst>
+        </a:effectStyle>
+        <a:effectStyle>
+          <a:effectLst>
+            <a:outerShdw blurRad="40000" dist="23000" dir="5400000" rotWithShape="0">
+              <a:srgbClr val="000000">
+                <a:alpha val="35000"/>
+              </a:srgbClr>
+            </a:outerShdw>
+          </a:effectLst>
+        </a:effectStyle>
+        <a:effectStyle>
+          <a:effectLst>
+            <a:outerShdw blurRad="40000" dist="23000" dir="5400000" rotWithShape="0">
+              <a:srgbClr val="000000">
+                <a:alpha val="35000"/>
+              </a:srgbClr>
+            </a:outerShdw>
+          </a:effectLst>
+          <a:scene3d>
+            <a:camera prst="orthographicFront">
+              <a:rot lat="0" lon="0" rev="0"/>
+            </a:camera>
+            <a:lightRig rig="threePt" dir="t">
+              <a:rot lat="0" lon="0" rev="1200000"/>
+            </a:lightRig>
+          </a:scene3d>
+          <a:sp3d>
+            <a:bevelT w="63500" h="25400"/>
+          </a:sp3d>
+        </a:effectStyle>
+      </a:effectStyleLst>
+      <a:bgFillStyleLst>
+        <a:solidFill>
+          <a:schemeClr val="phClr"/>
+        </a:solidFill>
+        <a:gradFill rotWithShape="1">
+          <a:gsLst>
+            <a:gs pos="0">
+              <a:schemeClr val="phClr">
+                <a:tint val="40000"/>
+                <a:satMod val="350000"/>
+              </a:schemeClr>
+            </a:gs>
+            <a:gs pos="40000">
+              <a:schemeClr val="phClr">
+                <a:tint val="45000"/>
+                <a:shade val="99000"/>
+                <a:satMod val="350000"/>
+              </a:schemeClr>
+            </a:gs>
+            <a:gs pos="100000">
+              <a:schemeClr val="phClr">
+                <a:shade val="20000"/>
+                <a:satMod val="255000"/>
+              </a:schemeClr>
+            </a:gs>
+          </a:gsLst>
+          <a:path path="circle">
+            <a:fillToRect l="50000" t="-80000" r="50000" b="180000"/>
+          </a:path>
+        </a:gradFill>
+        <a:gradFill rotWithShape="1">
+          <a:gsLst>
+            <a:gs pos="0">
+              <a:schemeClr val="phClr">
+                <a:tint val="80000"/>
+                <a:satMod val="300000"/>
+              </a:schemeClr>
+            </a:gs>
+            <a:gs pos="100000">
+              <a:schemeClr val="phClr">
+                <a:shade val="30000"/>
+                <a:satMod val="200000"/>
+              </a:schemeClr>
+            </a:gs>
+          </a:gsLst>
+          <a:path path="circle">
+            <a:fillToRect l="50000" t="50000" r="50000" b="50000"/>
+          </a:path>
+        </a:gradFill>
+      </a:bgFillStyleLst>
+    </a:fmtScheme>
+  </a:themeElements>
+  <a:objectDefaults/>
+  <a:extraClrSchemeLst/>
+</a:theme>
 </file>